--- a/Capstone.pptx
+++ b/Capstone.pptx
@@ -10,19 +10,18 @@
     <p:sldId id="258" r:id="rId4"/>
     <p:sldId id="260" r:id="rId5"/>
     <p:sldId id="261" r:id="rId6"/>
-    <p:sldId id="278" r:id="rId7"/>
-    <p:sldId id="263" r:id="rId8"/>
-    <p:sldId id="265" r:id="rId9"/>
-    <p:sldId id="271" r:id="rId10"/>
-    <p:sldId id="272" r:id="rId11"/>
-    <p:sldId id="274" r:id="rId12"/>
-    <p:sldId id="275" r:id="rId13"/>
-    <p:sldId id="276" r:id="rId14"/>
-    <p:sldId id="277" r:id="rId15"/>
-    <p:sldId id="267" r:id="rId16"/>
-    <p:sldId id="268" r:id="rId17"/>
-    <p:sldId id="269" r:id="rId18"/>
-    <p:sldId id="270" r:id="rId19"/>
+    <p:sldId id="263" r:id="rId7"/>
+    <p:sldId id="265" r:id="rId8"/>
+    <p:sldId id="271" r:id="rId9"/>
+    <p:sldId id="272" r:id="rId10"/>
+    <p:sldId id="274" r:id="rId11"/>
+    <p:sldId id="275" r:id="rId12"/>
+    <p:sldId id="276" r:id="rId13"/>
+    <p:sldId id="277" r:id="rId14"/>
+    <p:sldId id="267" r:id="rId15"/>
+    <p:sldId id="268" r:id="rId16"/>
+    <p:sldId id="269" r:id="rId17"/>
+    <p:sldId id="270" r:id="rId18"/>
   </p:sldIdLst>
   <p:sldSz cx="12192000" cy="6858000"/>
   <p:notesSz cx="6858000" cy="9144000"/>
@@ -127,6 +126,103 @@
     </p:ext>
   </p:extLst>
 </p:presentation>
+</file>
+
+<file path=ppt/changesInfos/changesInfo1.xml><?xml version="1.0" encoding="utf-8"?>
+<pc:chgInfo xmlns:a="http://schemas.openxmlformats.org/drawingml/2006/main" xmlns:r="http://schemas.openxmlformats.org/officeDocument/2006/relationships" xmlns:ac="http://schemas.microsoft.com/office/drawing/2013/main/command" xmlns:pc="http://schemas.microsoft.com/office/powerpoint/2013/main/command">
+  <pc:docChgLst>
+    <pc:chgData name="Pranay Gadhave" userId="38390fccbd0cc089" providerId="LiveId" clId="{60E3A351-0ED0-40CC-AB0A-BFF1B31896ED}"/>
+    <pc:docChg chg="custSel addSld delSld modSld">
+      <pc:chgData name="Pranay Gadhave" userId="38390fccbd0cc089" providerId="LiveId" clId="{60E3A351-0ED0-40CC-AB0A-BFF1B31896ED}" dt="2023-05-02T09:29:17.902" v="83" actId="2696"/>
+      <pc:docMkLst>
+        <pc:docMk/>
+      </pc:docMkLst>
+      <pc:sldChg chg="modSp mod">
+        <pc:chgData name="Pranay Gadhave" userId="38390fccbd0cc089" providerId="LiveId" clId="{60E3A351-0ED0-40CC-AB0A-BFF1B31896ED}" dt="2023-05-02T09:29:02.574" v="81" actId="20577"/>
+        <pc:sldMkLst>
+          <pc:docMk/>
+          <pc:sldMk cId="155810246" sldId="256"/>
+        </pc:sldMkLst>
+        <pc:spChg chg="mod">
+          <ac:chgData name="Pranay Gadhave" userId="38390fccbd0cc089" providerId="LiveId" clId="{60E3A351-0ED0-40CC-AB0A-BFF1B31896ED}" dt="2023-05-02T09:29:02.574" v="81" actId="20577"/>
+          <ac:spMkLst>
+            <pc:docMk/>
+            <pc:sldMk cId="155810246" sldId="256"/>
+            <ac:spMk id="9" creationId="{4E67A2AC-00F6-985A-C661-784C2AA22DB5}"/>
+          </ac:spMkLst>
+        </pc:spChg>
+      </pc:sldChg>
+      <pc:sldChg chg="modSp mod">
+        <pc:chgData name="Pranay Gadhave" userId="38390fccbd0cc089" providerId="LiveId" clId="{60E3A351-0ED0-40CC-AB0A-BFF1B31896ED}" dt="2023-05-02T07:33:46.945" v="75" actId="20577"/>
+        <pc:sldMkLst>
+          <pc:docMk/>
+          <pc:sldMk cId="2907023693" sldId="257"/>
+        </pc:sldMkLst>
+        <pc:spChg chg="mod">
+          <ac:chgData name="Pranay Gadhave" userId="38390fccbd0cc089" providerId="LiveId" clId="{60E3A351-0ED0-40CC-AB0A-BFF1B31896ED}" dt="2023-05-02T07:33:46.945" v="75" actId="20577"/>
+          <ac:spMkLst>
+            <pc:docMk/>
+            <pc:sldMk cId="2907023693" sldId="257"/>
+            <ac:spMk id="3" creationId="{C7DDF28F-771F-D180-B602-4C9BA1896597}"/>
+          </ac:spMkLst>
+        </pc:spChg>
+      </pc:sldChg>
+      <pc:sldChg chg="addSp delSp modSp mod">
+        <pc:chgData name="Pranay Gadhave" userId="38390fccbd0cc089" providerId="LiveId" clId="{60E3A351-0ED0-40CC-AB0A-BFF1B31896ED}" dt="2023-05-02T07:32:40.826" v="45" actId="1076"/>
+        <pc:sldMkLst>
+          <pc:docMk/>
+          <pc:sldMk cId="503207019" sldId="261"/>
+        </pc:sldMkLst>
+        <pc:spChg chg="mod">
+          <ac:chgData name="Pranay Gadhave" userId="38390fccbd0cc089" providerId="LiveId" clId="{60E3A351-0ED0-40CC-AB0A-BFF1B31896ED}" dt="2023-05-02T07:31:41.482" v="19" actId="20577"/>
+          <ac:spMkLst>
+            <pc:docMk/>
+            <pc:sldMk cId="503207019" sldId="261"/>
+            <ac:spMk id="8" creationId="{83A5D50A-7BF5-47B2-27E6-96AA33171B2B}"/>
+          </ac:spMkLst>
+        </pc:spChg>
+        <pc:spChg chg="mod">
+          <ac:chgData name="Pranay Gadhave" userId="38390fccbd0cc089" providerId="LiveId" clId="{60E3A351-0ED0-40CC-AB0A-BFF1B31896ED}" dt="2023-05-02T07:32:02.977" v="37" actId="20577"/>
+          <ac:spMkLst>
+            <pc:docMk/>
+            <pc:sldMk cId="503207019" sldId="261"/>
+            <ac:spMk id="10" creationId="{F71EEDC0-3CC6-66B5-D744-43E72A9CA66B}"/>
+          </ac:spMkLst>
+        </pc:spChg>
+        <pc:picChg chg="del">
+          <ac:chgData name="Pranay Gadhave" userId="38390fccbd0cc089" providerId="LiveId" clId="{60E3A351-0ED0-40CC-AB0A-BFF1B31896ED}" dt="2023-05-02T07:32:07.026" v="38" actId="478"/>
+          <ac:picMkLst>
+            <pc:docMk/>
+            <pc:sldMk cId="503207019" sldId="261"/>
+            <ac:picMk id="3" creationId="{C6354C26-C8A7-4566-80E6-64FAAC10C343}"/>
+          </ac:picMkLst>
+        </pc:picChg>
+        <pc:picChg chg="add mod">
+          <ac:chgData name="Pranay Gadhave" userId="38390fccbd0cc089" providerId="LiveId" clId="{60E3A351-0ED0-40CC-AB0A-BFF1B31896ED}" dt="2023-05-02T07:32:40.826" v="45" actId="1076"/>
+          <ac:picMkLst>
+            <pc:docMk/>
+            <pc:sldMk cId="503207019" sldId="261"/>
+            <ac:picMk id="7" creationId="{04129A75-C171-4D20-93B2-0AD9781D3583}"/>
+          </ac:picMkLst>
+        </pc:picChg>
+      </pc:sldChg>
+      <pc:sldChg chg="del">
+        <pc:chgData name="Pranay Gadhave" userId="38390fccbd0cc089" providerId="LiveId" clId="{60E3A351-0ED0-40CC-AB0A-BFF1B31896ED}" dt="2023-05-02T09:29:17.902" v="83" actId="2696"/>
+        <pc:sldMkLst>
+          <pc:docMk/>
+          <pc:sldMk cId="2669273918" sldId="278"/>
+        </pc:sldMkLst>
+      </pc:sldChg>
+      <pc:sldChg chg="add del">
+        <pc:chgData name="Pranay Gadhave" userId="38390fccbd0cc089" providerId="LiveId" clId="{60E3A351-0ED0-40CC-AB0A-BFF1B31896ED}" dt="2023-05-02T09:29:14.736" v="82" actId="2696"/>
+        <pc:sldMkLst>
+          <pc:docMk/>
+          <pc:sldMk cId="824726357" sldId="279"/>
+        </pc:sldMkLst>
+      </pc:sldChg>
+    </pc:docChg>
+  </pc:docChgLst>
+</pc:chgInfo>
 </file>
 
 <file path=ppt/slideLayouts/slideLayout1.xml><?xml version="1.0" encoding="utf-8"?>
@@ -3711,22 +3807,7 @@
                 <a:latin typeface="Times New Roman" panose="02020603050405020304" pitchFamily="18" charset="0"/>
                 <a:ea typeface="Arial" panose="020B0604020202020204" pitchFamily="34" charset="0"/>
               </a:rPr>
-              <a:t>Date: </a:t>
-            </a:r>
-            <a:r>
-              <a:rPr lang="en-IN" b="1" dirty="0">
-                <a:latin typeface="Times New Roman" panose="02020603050405020304" pitchFamily="18" charset="0"/>
-                <a:ea typeface="Arial" panose="020B0604020202020204" pitchFamily="34" charset="0"/>
-              </a:rPr>
-              <a:t>29</a:t>
-            </a:r>
-            <a:r>
-              <a:rPr lang="en-IN" sz="1800" b="1" dirty="0">
-                <a:effectLst/>
-                <a:latin typeface="Times New Roman" panose="02020603050405020304" pitchFamily="18" charset="0"/>
-                <a:ea typeface="Arial" panose="020B0604020202020204" pitchFamily="34" charset="0"/>
-              </a:rPr>
-              <a:t>/04/2023</a:t>
+              <a:t>Date: 02/05/2023</a:t>
             </a:r>
             <a:endParaRPr lang="en-IN" sz="1050" dirty="0">
               <a:effectLst/>
@@ -3924,7 +4005,7 @@
                 </a:solidFill>
                 <a:latin typeface="Times New Roman" panose="02020603050405020304" pitchFamily="18" charset="0"/>
               </a:rPr>
-              <a:t>Integration and Testing</a:t>
+              <a:t>Deployment</a:t>
             </a:r>
           </a:p>
         </p:txBody>
@@ -3944,7 +4025,7 @@
         <p:spPr>
           <a:xfrm>
             <a:off x="490220" y="1349647"/>
-            <a:ext cx="8277262" cy="5061835"/>
+            <a:ext cx="8277262" cy="4743286"/>
           </a:xfrm>
           <a:prstGeom prst="rect">
             <a:avLst/>
@@ -3969,20 +4050,8 @@
                 <a:ea typeface="Arial" panose="020B0604020202020204" pitchFamily="34" charset="0"/>
                 <a:cs typeface="Times New Roman" panose="02020603050405020304" pitchFamily="18" charset="0"/>
               </a:rPr>
-              <a:t>Executing using CURL Command</a:t>
-            </a:r>
-          </a:p>
-          <a:p>
-            <a:pPr algn="just">
-              <a:lnSpc>
-                <a:spcPct val="115000"/>
-              </a:lnSpc>
-            </a:pPr>
-            <a:endParaRPr lang="en-IN" b="1" dirty="0">
-              <a:latin typeface="Times New Roman" panose="02020603050405020304" pitchFamily="18" charset="0"/>
-              <a:ea typeface="Arial" panose="020B0604020202020204" pitchFamily="34" charset="0"/>
-              <a:cs typeface="Times New Roman" panose="02020603050405020304" pitchFamily="18" charset="0"/>
-            </a:endParaRPr>
+              <a:t>Deploying Project on Jenkins</a:t>
+            </a:r>
           </a:p>
           <a:p>
             <a:pPr algn="just">
@@ -4171,10 +4240,10 @@
       </p:sp>
       <p:pic>
         <p:nvPicPr>
-          <p:cNvPr id="3" name="Picture 2">
-            <a:extLst>
-              <a:ext uri="{FF2B5EF4-FFF2-40B4-BE49-F238E27FC236}">
-                <a16:creationId xmlns:a16="http://schemas.microsoft.com/office/drawing/2014/main" id="{CE20E4EE-1E37-4965-826C-755526EB0A9A}"/>
+          <p:cNvPr id="9" name="Picture 8">
+            <a:extLst>
+              <a:ext uri="{FF2B5EF4-FFF2-40B4-BE49-F238E27FC236}">
+                <a16:creationId xmlns:a16="http://schemas.microsoft.com/office/drawing/2014/main" id="{39A2CBEF-EEDE-47E9-A279-E2A81440B9E2}"/>
               </a:ext>
             </a:extLst>
           </p:cNvPr>
@@ -4197,8 +4266,8 @@
         </p:blipFill>
         <p:spPr>
           <a:xfrm>
-            <a:off x="490220" y="1977520"/>
-            <a:ext cx="8818878" cy="4163304"/>
+            <a:off x="490220" y="2055231"/>
+            <a:ext cx="9003404" cy="4410076"/>
           </a:xfrm>
           <a:prstGeom prst="rect">
             <a:avLst/>
@@ -4208,7 +4277,7 @@
     </p:spTree>
     <p:extLst>
       <p:ext uri="{BB962C8B-B14F-4D97-AF65-F5344CB8AC3E}">
-        <p14:creationId xmlns:p14="http://schemas.microsoft.com/office/powerpoint/2010/main" val="1638702198"/>
+        <p14:creationId xmlns:p14="http://schemas.microsoft.com/office/powerpoint/2010/main" val="2367448044"/>
       </p:ext>
     </p:extLst>
   </p:cSld>
@@ -4438,7 +4507,7 @@
                 <a:ea typeface="Arial" panose="020B0604020202020204" pitchFamily="34" charset="0"/>
                 <a:cs typeface="Times New Roman" panose="02020603050405020304" pitchFamily="18" charset="0"/>
               </a:rPr>
-              <a:t>Deploying Project on Jenkins</a:t>
+              <a:t>Docker Images</a:t>
             </a:r>
           </a:p>
           <a:p>
@@ -4628,10 +4697,10 @@
       </p:sp>
       <p:pic>
         <p:nvPicPr>
-          <p:cNvPr id="9" name="Picture 8">
-            <a:extLst>
-              <a:ext uri="{FF2B5EF4-FFF2-40B4-BE49-F238E27FC236}">
-                <a16:creationId xmlns:a16="http://schemas.microsoft.com/office/drawing/2014/main" id="{39A2CBEF-EEDE-47E9-A279-E2A81440B9E2}"/>
+          <p:cNvPr id="3" name="Picture 2">
+            <a:extLst>
+              <a:ext uri="{FF2B5EF4-FFF2-40B4-BE49-F238E27FC236}">
+                <a16:creationId xmlns:a16="http://schemas.microsoft.com/office/drawing/2014/main" id="{C249DE3C-33DF-42DF-8F19-496150F3C778}"/>
               </a:ext>
             </a:extLst>
           </p:cNvPr>
@@ -4654,8 +4723,8 @@
         </p:blipFill>
         <p:spPr>
           <a:xfrm>
-            <a:off x="490220" y="2055231"/>
-            <a:ext cx="9003404" cy="4410076"/>
+            <a:off x="490220" y="1981909"/>
+            <a:ext cx="10028667" cy="3740727"/>
           </a:xfrm>
           <a:prstGeom prst="rect">
             <a:avLst/>
@@ -4665,7 +4734,7 @@
     </p:spTree>
     <p:extLst>
       <p:ext uri="{BB962C8B-B14F-4D97-AF65-F5344CB8AC3E}">
-        <p14:creationId xmlns:p14="http://schemas.microsoft.com/office/powerpoint/2010/main" val="2367448044"/>
+        <p14:creationId xmlns:p14="http://schemas.microsoft.com/office/powerpoint/2010/main" val="3809318770"/>
       </p:ext>
     </p:extLst>
   </p:cSld>
@@ -4895,7 +4964,7 @@
                 <a:ea typeface="Arial" panose="020B0604020202020204" pitchFamily="34" charset="0"/>
                 <a:cs typeface="Times New Roman" panose="02020603050405020304" pitchFamily="18" charset="0"/>
               </a:rPr>
-              <a:t>Docker Images</a:t>
+              <a:t>Deploying Docker Image on Docker Hub</a:t>
             </a:r>
           </a:p>
           <a:p>
@@ -5085,10 +5154,10 @@
       </p:sp>
       <p:pic>
         <p:nvPicPr>
-          <p:cNvPr id="3" name="Picture 2">
-            <a:extLst>
-              <a:ext uri="{FF2B5EF4-FFF2-40B4-BE49-F238E27FC236}">
-                <a16:creationId xmlns:a16="http://schemas.microsoft.com/office/drawing/2014/main" id="{C249DE3C-33DF-42DF-8F19-496150F3C778}"/>
+          <p:cNvPr id="9" name="Picture 8">
+            <a:extLst>
+              <a:ext uri="{FF2B5EF4-FFF2-40B4-BE49-F238E27FC236}">
+                <a16:creationId xmlns:a16="http://schemas.microsoft.com/office/drawing/2014/main" id="{B9CFB2C0-4BEC-4089-8B74-E5CD75137543}"/>
               </a:ext>
             </a:extLst>
           </p:cNvPr>
@@ -5111,8 +5180,8 @@
         </p:blipFill>
         <p:spPr>
           <a:xfrm>
-            <a:off x="490220" y="1981909"/>
-            <a:ext cx="10028667" cy="3740727"/>
+            <a:off x="375621" y="1873622"/>
+            <a:ext cx="10650967" cy="4154469"/>
           </a:xfrm>
           <a:prstGeom prst="rect">
             <a:avLst/>
@@ -5122,7 +5191,7 @@
     </p:spTree>
     <p:extLst>
       <p:ext uri="{BB962C8B-B14F-4D97-AF65-F5344CB8AC3E}">
-        <p14:creationId xmlns:p14="http://schemas.microsoft.com/office/powerpoint/2010/main" val="3809318770"/>
+        <p14:creationId xmlns:p14="http://schemas.microsoft.com/office/powerpoint/2010/main" val="3404027586"/>
       </p:ext>
     </p:extLst>
   </p:cSld>
@@ -5352,7 +5421,7 @@
                 <a:ea typeface="Arial" panose="020B0604020202020204" pitchFamily="34" charset="0"/>
                 <a:cs typeface="Times New Roman" panose="02020603050405020304" pitchFamily="18" charset="0"/>
               </a:rPr>
-              <a:t>Deploying Docker Image on Docker Hub</a:t>
+              <a:t>Images on Docker Desktop</a:t>
             </a:r>
           </a:p>
           <a:p>
@@ -5542,10 +5611,10 @@
       </p:sp>
       <p:pic>
         <p:nvPicPr>
-          <p:cNvPr id="9" name="Picture 8">
-            <a:extLst>
-              <a:ext uri="{FF2B5EF4-FFF2-40B4-BE49-F238E27FC236}">
-                <a16:creationId xmlns:a16="http://schemas.microsoft.com/office/drawing/2014/main" id="{B9CFB2C0-4BEC-4089-8B74-E5CD75137543}"/>
+          <p:cNvPr id="3" name="Picture 2">
+            <a:extLst>
+              <a:ext uri="{FF2B5EF4-FFF2-40B4-BE49-F238E27FC236}">
+                <a16:creationId xmlns:a16="http://schemas.microsoft.com/office/drawing/2014/main" id="{9CF561B3-03F6-4B96-9920-CD0279554067}"/>
               </a:ext>
             </a:extLst>
           </p:cNvPr>
@@ -5555,21 +5624,15 @@
           <p:nvPr/>
         </p:nvPicPr>
         <p:blipFill>
-          <a:blip r:embed="rId4">
-            <a:extLst>
-              <a:ext uri="{28A0092B-C50C-407E-A947-70E740481C1C}">
-                <a14:useLocalDpi xmlns:a14="http://schemas.microsoft.com/office/drawing/2010/main" val="0"/>
-              </a:ext>
-            </a:extLst>
-          </a:blip>
+          <a:blip r:embed="rId4"/>
           <a:stretch>
             <a:fillRect/>
           </a:stretch>
         </p:blipFill>
         <p:spPr>
           <a:xfrm>
-            <a:off x="375621" y="1873622"/>
-            <a:ext cx="10650967" cy="4154469"/>
+            <a:off x="490220" y="1935303"/>
+            <a:ext cx="10572227" cy="4431391"/>
           </a:xfrm>
           <a:prstGeom prst="rect">
             <a:avLst/>
@@ -5579,7 +5642,7 @@
     </p:spTree>
     <p:extLst>
       <p:ext uri="{BB962C8B-B14F-4D97-AF65-F5344CB8AC3E}">
-        <p14:creationId xmlns:p14="http://schemas.microsoft.com/office/powerpoint/2010/main" val="3404027586"/>
+        <p14:creationId xmlns:p14="http://schemas.microsoft.com/office/powerpoint/2010/main" val="1909765622"/>
       </p:ext>
     </p:extLst>
   </p:cSld>
@@ -5634,7 +5697,7 @@
         </p:blipFill>
         <p:spPr>
           <a:xfrm flipH="1">
-            <a:off x="0" y="-20320"/>
+            <a:off x="0" y="0"/>
             <a:ext cx="12192000" cy="6858000"/>
           </a:xfrm>
           <a:prstGeom prst="rect">
@@ -5764,7 +5827,7 @@
                 </a:solidFill>
                 <a:latin typeface="Times New Roman" panose="02020603050405020304" pitchFamily="18" charset="0"/>
               </a:rPr>
-              <a:t>Deployment</a:t>
+              <a:t>Conclusion</a:t>
             </a:r>
           </a:p>
         </p:txBody>
@@ -5774,7 +5837,7 @@
           <p:cNvPr id="7" name="TextBox 6">
             <a:extLst>
               <a:ext uri="{FF2B5EF4-FFF2-40B4-BE49-F238E27FC236}">
-                <a16:creationId xmlns:a16="http://schemas.microsoft.com/office/drawing/2014/main" id="{7A00B694-CE8C-1B3C-6470-234A7FE34C41}"/>
+                <a16:creationId xmlns:a16="http://schemas.microsoft.com/office/drawing/2014/main" id="{B4E07FE1-E878-E386-9DF4-34E931415690}"/>
               </a:ext>
             </a:extLst>
           </p:cNvPr>
@@ -5783,8 +5846,8 @@
         </p:nvSpPr>
         <p:spPr>
           <a:xfrm>
-            <a:off x="490220" y="1349647"/>
-            <a:ext cx="8277262" cy="4743286"/>
+            <a:off x="490219" y="1349647"/>
+            <a:ext cx="10828013" cy="4858894"/>
           </a:xfrm>
           <a:prstGeom prst="rect">
             <a:avLst/>
@@ -5802,235 +5865,96 @@
                 <a:spcPct val="115000"/>
               </a:lnSpc>
             </a:pPr>
-            <a:r>
-              <a:rPr lang="en-IN" b="1" dirty="0">
-                <a:effectLst/>
+            <a:endParaRPr lang="en-IN" dirty="0">
+              <a:latin typeface="Times New Roman" panose="02020603050405020304" pitchFamily="18" charset="0"/>
+              <a:ea typeface="Arial" panose="020B0604020202020204" pitchFamily="34" charset="0"/>
+            </a:endParaRPr>
+          </a:p>
+          <a:p>
+            <a:pPr marL="285750" indent="-285750" algn="just">
+              <a:lnSpc>
+                <a:spcPct val="150000"/>
+              </a:lnSpc>
+              <a:buFont typeface="Wingdings" panose="05000000000000000000" pitchFamily="2" charset="2"/>
+              <a:buChar char="q"/>
+            </a:pPr>
+            <a:r>
+              <a:rPr lang="en-US" dirty="0">
                 <a:latin typeface="Times New Roman" panose="02020603050405020304" pitchFamily="18" charset="0"/>
-                <a:ea typeface="Arial" panose="020B0604020202020204" pitchFamily="34" charset="0"/>
-                <a:cs typeface="Times New Roman" panose="02020603050405020304" pitchFamily="18" charset="0"/>
               </a:rPr>
-              <a:t>Images on Docker Desktop</a:t>
-            </a:r>
-          </a:p>
-          <a:p>
-            <a:pPr algn="just">
-              <a:lnSpc>
-                <a:spcPct val="115000"/>
-              </a:lnSpc>
-            </a:pPr>
-            <a:endParaRPr lang="en-IN" b="1" dirty="0">
-              <a:effectLst/>
+              <a:t>Every business needs EMS because of its capacity to lower stress and pressure while fostering relationships between managers and employees. It produces a setting that might promote dialogue. This makes sure that management and staff cooperate to achieve the company's objectives.</a:t>
+            </a:r>
+          </a:p>
+          <a:p>
+            <a:pPr marL="285750" indent="-285750" algn="just">
+              <a:lnSpc>
+                <a:spcPct val="150000"/>
+              </a:lnSpc>
+              <a:buFont typeface="Wingdings" panose="05000000000000000000" pitchFamily="2" charset="2"/>
+              <a:buChar char="q"/>
+            </a:pPr>
+            <a:endParaRPr lang="en-US" dirty="0">
               <a:latin typeface="Times New Roman" panose="02020603050405020304" pitchFamily="18" charset="0"/>
-              <a:ea typeface="Arial" panose="020B0604020202020204" pitchFamily="34" charset="0"/>
-              <a:cs typeface="Times New Roman" panose="02020603050405020304" pitchFamily="18" charset="0"/>
-            </a:endParaRPr>
-          </a:p>
-          <a:p>
-            <a:pPr algn="just">
-              <a:lnSpc>
-                <a:spcPct val="115000"/>
-              </a:lnSpc>
-            </a:pPr>
-            <a:endParaRPr lang="en-IN" b="1" dirty="0">
+            </a:endParaRPr>
+          </a:p>
+          <a:p>
+            <a:pPr marL="285750" indent="-285750" algn="just">
+              <a:lnSpc>
+                <a:spcPct val="150000"/>
+              </a:lnSpc>
+              <a:buFont typeface="Wingdings" panose="05000000000000000000" pitchFamily="2" charset="2"/>
+              <a:buChar char="q"/>
+            </a:pPr>
+            <a:r>
+              <a:rPr lang="en-US" dirty="0">
+                <a:latin typeface="Times New Roman" panose="02020603050405020304" pitchFamily="18" charset="0"/>
+              </a:rPr>
+              <a:t>This can help in reducing the paperwork. Using an EMS, the HR department can streamline processes and contribute to society.</a:t>
+            </a:r>
+          </a:p>
+          <a:p>
+            <a:pPr marL="285750" indent="-285750" algn="just">
+              <a:lnSpc>
+                <a:spcPct val="150000"/>
+              </a:lnSpc>
+              <a:buFont typeface="Wingdings" panose="05000000000000000000" pitchFamily="2" charset="2"/>
+              <a:buChar char="q"/>
+            </a:pPr>
+            <a:endParaRPr lang="en-US" dirty="0">
               <a:latin typeface="Times New Roman" panose="02020603050405020304" pitchFamily="18" charset="0"/>
-              <a:ea typeface="Arial" panose="020B0604020202020204" pitchFamily="34" charset="0"/>
-              <a:cs typeface="Times New Roman" panose="02020603050405020304" pitchFamily="18" charset="0"/>
-            </a:endParaRPr>
-          </a:p>
-          <a:p>
-            <a:pPr algn="just">
-              <a:lnSpc>
-                <a:spcPct val="115000"/>
-              </a:lnSpc>
-            </a:pPr>
-            <a:endParaRPr lang="en-IN" b="1" dirty="0">
-              <a:effectLst/>
+            </a:endParaRPr>
+          </a:p>
+          <a:p>
+            <a:pPr marL="285750" indent="-285750" algn="just">
+              <a:lnSpc>
+                <a:spcPct val="150000"/>
+              </a:lnSpc>
+              <a:buFont typeface="Wingdings" panose="05000000000000000000" pitchFamily="2" charset="2"/>
+              <a:buChar char="q"/>
+            </a:pPr>
+            <a:r>
+              <a:rPr lang="en-US" dirty="0">
+                <a:latin typeface="Times New Roman" panose="02020603050405020304" pitchFamily="18" charset="0"/>
+              </a:rPr>
+              <a:t>This project can help in improving your data security methods. As an organization saves employee information like bank details, addresses, telephone numbers and personal identification details, providing better data security is essential. EMS offers security and data encryption measures that guarantee data security.</a:t>
+            </a:r>
+          </a:p>
+          <a:p>
+            <a:pPr algn="just">
+              <a:lnSpc>
+                <a:spcPct val="115000"/>
+              </a:lnSpc>
+            </a:pPr>
+            <a:endParaRPr lang="en-IN" dirty="0">
               <a:latin typeface="Times New Roman" panose="02020603050405020304" pitchFamily="18" charset="0"/>
-              <a:ea typeface="Arial" panose="020B0604020202020204" pitchFamily="34" charset="0"/>
-              <a:cs typeface="Times New Roman" panose="02020603050405020304" pitchFamily="18" charset="0"/>
-            </a:endParaRPr>
-          </a:p>
-          <a:p>
-            <a:pPr algn="just">
-              <a:lnSpc>
-                <a:spcPct val="115000"/>
-              </a:lnSpc>
-            </a:pPr>
-            <a:endParaRPr lang="en-IN" b="1" dirty="0">
-              <a:latin typeface="Times New Roman" panose="02020603050405020304" pitchFamily="18" charset="0"/>
-              <a:ea typeface="Arial" panose="020B0604020202020204" pitchFamily="34" charset="0"/>
-              <a:cs typeface="Times New Roman" panose="02020603050405020304" pitchFamily="18" charset="0"/>
-            </a:endParaRPr>
-          </a:p>
-          <a:p>
-            <a:pPr algn="just">
-              <a:lnSpc>
-                <a:spcPct val="115000"/>
-              </a:lnSpc>
-            </a:pPr>
-            <a:endParaRPr lang="en-IN" b="1" dirty="0">
-              <a:effectLst/>
-              <a:latin typeface="Times New Roman" panose="02020603050405020304" pitchFamily="18" charset="0"/>
-              <a:ea typeface="Arial" panose="020B0604020202020204" pitchFamily="34" charset="0"/>
-              <a:cs typeface="Times New Roman" panose="02020603050405020304" pitchFamily="18" charset="0"/>
-            </a:endParaRPr>
-          </a:p>
-          <a:p>
-            <a:pPr algn="just">
-              <a:lnSpc>
-                <a:spcPct val="115000"/>
-              </a:lnSpc>
-            </a:pPr>
-            <a:endParaRPr lang="en-IN" b="1" dirty="0">
-              <a:latin typeface="Times New Roman" panose="02020603050405020304" pitchFamily="18" charset="0"/>
-              <a:ea typeface="Arial" panose="020B0604020202020204" pitchFamily="34" charset="0"/>
-              <a:cs typeface="Times New Roman" panose="02020603050405020304" pitchFamily="18" charset="0"/>
-            </a:endParaRPr>
-          </a:p>
-          <a:p>
-            <a:pPr algn="just">
-              <a:lnSpc>
-                <a:spcPct val="115000"/>
-              </a:lnSpc>
-            </a:pPr>
-            <a:endParaRPr lang="en-IN" b="1" dirty="0">
-              <a:effectLst/>
-              <a:latin typeface="Times New Roman" panose="02020603050405020304" pitchFamily="18" charset="0"/>
-              <a:ea typeface="Arial" panose="020B0604020202020204" pitchFamily="34" charset="0"/>
-              <a:cs typeface="Times New Roman" panose="02020603050405020304" pitchFamily="18" charset="0"/>
-            </a:endParaRPr>
-          </a:p>
-          <a:p>
-            <a:pPr algn="just">
-              <a:lnSpc>
-                <a:spcPct val="115000"/>
-              </a:lnSpc>
-            </a:pPr>
-            <a:endParaRPr lang="en-IN" b="1" dirty="0">
-              <a:effectLst/>
-              <a:latin typeface="Times New Roman" panose="02020603050405020304" pitchFamily="18" charset="0"/>
-              <a:ea typeface="Arial" panose="020B0604020202020204" pitchFamily="34" charset="0"/>
-              <a:cs typeface="Times New Roman" panose="02020603050405020304" pitchFamily="18" charset="0"/>
-            </a:endParaRPr>
-          </a:p>
-          <a:p>
-            <a:pPr algn="just">
-              <a:lnSpc>
-                <a:spcPct val="115000"/>
-              </a:lnSpc>
-            </a:pPr>
-            <a:endParaRPr lang="en-IN" b="1" dirty="0">
-              <a:latin typeface="Times New Roman" panose="02020603050405020304" pitchFamily="18" charset="0"/>
-              <a:ea typeface="Arial" panose="020B0604020202020204" pitchFamily="34" charset="0"/>
-              <a:cs typeface="Times New Roman" panose="02020603050405020304" pitchFamily="18" charset="0"/>
-            </a:endParaRPr>
-          </a:p>
-          <a:p>
-            <a:pPr algn="just">
-              <a:lnSpc>
-                <a:spcPct val="115000"/>
-              </a:lnSpc>
-            </a:pPr>
-            <a:endParaRPr lang="en-IN" sz="1400" dirty="0">
-              <a:effectLst/>
-              <a:latin typeface="Arial" panose="020B0604020202020204" pitchFamily="34" charset="0"/>
-              <a:ea typeface="Arial" panose="020B0604020202020204" pitchFamily="34" charset="0"/>
-            </a:endParaRPr>
-          </a:p>
-          <a:p>
-            <a:pPr algn="just">
-              <a:lnSpc>
-                <a:spcPct val="115000"/>
-              </a:lnSpc>
-            </a:pPr>
-            <a:endParaRPr lang="en-IN" sz="1400" dirty="0">
-              <a:latin typeface="Arial" panose="020B0604020202020204" pitchFamily="34" charset="0"/>
-              <a:ea typeface="Arial" panose="020B0604020202020204" pitchFamily="34" charset="0"/>
-            </a:endParaRPr>
-          </a:p>
-          <a:p>
-            <a:pPr algn="just">
-              <a:lnSpc>
-                <a:spcPct val="115000"/>
-              </a:lnSpc>
-            </a:pPr>
-            <a:endParaRPr lang="en-IN" sz="1400" dirty="0">
-              <a:effectLst/>
-              <a:latin typeface="Arial" panose="020B0604020202020204" pitchFamily="34" charset="0"/>
-              <a:ea typeface="Arial" panose="020B0604020202020204" pitchFamily="34" charset="0"/>
-            </a:endParaRPr>
-          </a:p>
-          <a:p>
-            <a:pPr algn="just">
-              <a:lnSpc>
-                <a:spcPct val="115000"/>
-              </a:lnSpc>
-            </a:pPr>
-            <a:endParaRPr lang="en-IN" sz="1400" dirty="0">
-              <a:latin typeface="Arial" panose="020B0604020202020204" pitchFamily="34" charset="0"/>
-              <a:ea typeface="Arial" panose="020B0604020202020204" pitchFamily="34" charset="0"/>
-            </a:endParaRPr>
-          </a:p>
-          <a:p>
-            <a:pPr algn="just">
-              <a:lnSpc>
-                <a:spcPct val="115000"/>
-              </a:lnSpc>
-            </a:pPr>
-            <a:endParaRPr lang="en-IN" sz="1400" dirty="0">
-              <a:effectLst/>
-              <a:latin typeface="Arial" panose="020B0604020202020204" pitchFamily="34" charset="0"/>
-              <a:ea typeface="Arial" panose="020B0604020202020204" pitchFamily="34" charset="0"/>
-            </a:endParaRPr>
-          </a:p>
-          <a:p>
-            <a:pPr algn="just">
-              <a:lnSpc>
-                <a:spcPct val="115000"/>
-              </a:lnSpc>
-            </a:pPr>
-            <a:endParaRPr lang="en-IN" sz="1400" dirty="0">
-              <a:effectLst/>
-              <a:latin typeface="Arial" panose="020B0604020202020204" pitchFamily="34" charset="0"/>
-              <a:ea typeface="Arial" panose="020B0604020202020204" pitchFamily="34" charset="0"/>
             </a:endParaRPr>
           </a:p>
         </p:txBody>
       </p:sp>
-      <p:pic>
-        <p:nvPicPr>
-          <p:cNvPr id="3" name="Picture 2">
-            <a:extLst>
-              <a:ext uri="{FF2B5EF4-FFF2-40B4-BE49-F238E27FC236}">
-                <a16:creationId xmlns:a16="http://schemas.microsoft.com/office/drawing/2014/main" id="{9CF561B3-03F6-4B96-9920-CD0279554067}"/>
-              </a:ext>
-            </a:extLst>
-          </p:cNvPr>
-          <p:cNvPicPr>
-            <a:picLocks noChangeAspect="1"/>
-          </p:cNvPicPr>
-          <p:nvPr/>
-        </p:nvPicPr>
-        <p:blipFill>
-          <a:blip r:embed="rId4"/>
-          <a:stretch>
-            <a:fillRect/>
-          </a:stretch>
-        </p:blipFill>
-        <p:spPr>
-          <a:xfrm>
-            <a:off x="490220" y="1935303"/>
-            <a:ext cx="10572227" cy="4431391"/>
-          </a:xfrm>
-          <a:prstGeom prst="rect">
-            <a:avLst/>
-          </a:prstGeom>
-        </p:spPr>
-      </p:pic>
     </p:spTree>
     <p:extLst>
       <p:ext uri="{BB962C8B-B14F-4D97-AF65-F5344CB8AC3E}">
-        <p14:creationId xmlns:p14="http://schemas.microsoft.com/office/powerpoint/2010/main" val="1909765622"/>
+        <p14:creationId xmlns:p14="http://schemas.microsoft.com/office/powerpoint/2010/main" val="984102935"/>
       </p:ext>
     </p:extLst>
   </p:cSld>
@@ -6215,17 +6139,17 @@
                 </a:solidFill>
                 <a:latin typeface="Times New Roman" panose="02020603050405020304" pitchFamily="18" charset="0"/>
               </a:rPr>
-              <a:t>Conclusion</a:t>
+              <a:t>Future Work</a:t>
             </a:r>
           </a:p>
         </p:txBody>
       </p:sp>
       <p:sp>
         <p:nvSpPr>
-          <p:cNvPr id="7" name="TextBox 6">
-            <a:extLst>
-              <a:ext uri="{FF2B5EF4-FFF2-40B4-BE49-F238E27FC236}">
-                <a16:creationId xmlns:a16="http://schemas.microsoft.com/office/drawing/2014/main" id="{B4E07FE1-E878-E386-9DF4-34E931415690}"/>
+          <p:cNvPr id="3" name="TextBox 2">
+            <a:extLst>
+              <a:ext uri="{FF2B5EF4-FFF2-40B4-BE49-F238E27FC236}">
+                <a16:creationId xmlns:a16="http://schemas.microsoft.com/office/drawing/2014/main" id="{0619899A-31DA-FCDF-48CA-B2A307298A93}"/>
               </a:ext>
             </a:extLst>
           </p:cNvPr>
@@ -6235,7 +6159,7 @@
         <p:spPr>
           <a:xfrm>
             <a:off x="490219" y="1349647"/>
-            <a:ext cx="10828013" cy="4858894"/>
+            <a:ext cx="10751522" cy="4100610"/>
           </a:xfrm>
           <a:prstGeom prst="rect">
             <a:avLst/>
@@ -6267,10 +6191,12 @@
               <a:buChar char="q"/>
             </a:pPr>
             <a:r>
-              <a:rPr lang="en-US" dirty="0">
+              <a:rPr lang="en-IN" sz="1800" dirty="0">
+                <a:effectLst/>
                 <a:latin typeface="Times New Roman" panose="02020603050405020304" pitchFamily="18" charset="0"/>
+                <a:ea typeface="Arial" panose="020B0604020202020204" pitchFamily="34" charset="0"/>
               </a:rPr>
-              <a:t>Every business needs EMS because of its capacity to lower stress and pressure while fostering relationships between managers and employees. It produces a setting that might promote dialogue. This makes sure that management and staff cooperate to achieve the company's objectives.</a:t>
+              <a:t>We can involve additional features of managing the data related to the Payroll of the employee, the application can generate the Payroll of the Employee.</a:t>
             </a:r>
           </a:p>
           <a:p>
@@ -6281,8 +6207,9 @@
               <a:buFont typeface="Wingdings" panose="05000000000000000000" pitchFamily="2" charset="2"/>
               <a:buChar char="q"/>
             </a:pPr>
-            <a:endParaRPr lang="en-US" dirty="0">
+            <a:endParaRPr lang="en-IN" dirty="0">
               <a:latin typeface="Times New Roman" panose="02020603050405020304" pitchFamily="18" charset="0"/>
+              <a:ea typeface="Arial" panose="020B0604020202020204" pitchFamily="34" charset="0"/>
             </a:endParaRPr>
           </a:p>
           <a:p>
@@ -6294,11 +6221,24 @@
               <a:buChar char="q"/>
             </a:pPr>
             <a:r>
-              <a:rPr lang="en-US" dirty="0">
+              <a:rPr lang="en-IN" sz="1800" dirty="0">
+                <a:effectLst/>
                 <a:latin typeface="Times New Roman" panose="02020603050405020304" pitchFamily="18" charset="0"/>
+                <a:ea typeface="Arial" panose="020B0604020202020204" pitchFamily="34" charset="0"/>
               </a:rPr>
-              <a:t>This can help in reducing the paperwork. Using an EMS, the HR department can streamline processes and contribute to society.</a:t>
-            </a:r>
+              <a:t>In future, we can also make the application to maintain the daily task details of the Employees so that it will become easier to maintain the daily tasks performed by the Employees which will eventually help in analysing the Performance of Employees.</a:t>
+            </a:r>
+          </a:p>
+          <a:p>
+            <a:pPr algn="just">
+              <a:lnSpc>
+                <a:spcPct val="150000"/>
+              </a:lnSpc>
+            </a:pPr>
+            <a:endParaRPr lang="en-IN" dirty="0">
+              <a:latin typeface="Times New Roman" panose="02020603050405020304" pitchFamily="18" charset="0"/>
+              <a:ea typeface="Arial" panose="020B0604020202020204" pitchFamily="34" charset="0"/>
+            </a:endParaRPr>
           </a:p>
           <a:p>
             <a:pPr marL="285750" indent="-285750" algn="just">
@@ -6308,41 +6248,21 @@
               <a:buFont typeface="Wingdings" panose="05000000000000000000" pitchFamily="2" charset="2"/>
               <a:buChar char="q"/>
             </a:pPr>
-            <a:endParaRPr lang="en-US" dirty="0">
-              <a:latin typeface="Times New Roman" panose="02020603050405020304" pitchFamily="18" charset="0"/>
-            </a:endParaRPr>
-          </a:p>
-          <a:p>
-            <a:pPr marL="285750" indent="-285750" algn="just">
-              <a:lnSpc>
-                <a:spcPct val="150000"/>
-              </a:lnSpc>
-              <a:buFont typeface="Wingdings" panose="05000000000000000000" pitchFamily="2" charset="2"/>
-              <a:buChar char="q"/>
-            </a:pPr>
-            <a:r>
-              <a:rPr lang="en-US" dirty="0">
+            <a:r>
+              <a:rPr lang="en-IN" sz="1800" dirty="0">
+                <a:effectLst/>
                 <a:latin typeface="Times New Roman" panose="02020603050405020304" pitchFamily="18" charset="0"/>
+                <a:ea typeface="Arial" panose="020B0604020202020204" pitchFamily="34" charset="0"/>
               </a:rPr>
-              <a:t>This project can help in improving your data security methods. As an organization saves employee information like bank details, addresses, telephone numbers and personal identification details, providing better data security is essential. EMS offers security and data encryption measures that guarantee data security.</a:t>
-            </a:r>
-          </a:p>
-          <a:p>
-            <a:pPr algn="just">
-              <a:lnSpc>
-                <a:spcPct val="115000"/>
-              </a:lnSpc>
-            </a:pPr>
-            <a:endParaRPr lang="en-IN" dirty="0">
-              <a:latin typeface="Times New Roman" panose="02020603050405020304" pitchFamily="18" charset="0"/>
-            </a:endParaRPr>
+              <a:t> By adding other modules like Payroll management, Employee Onboarding, Attendance tracker and Daily tasks tracker, this project can be enhanced and will ensure the business productivity.</a:t>
+            </a:r>
           </a:p>
         </p:txBody>
       </p:sp>
     </p:spTree>
     <p:extLst>
       <p:ext uri="{BB962C8B-B14F-4D97-AF65-F5344CB8AC3E}">
-        <p14:creationId xmlns:p14="http://schemas.microsoft.com/office/powerpoint/2010/main" val="984102935"/>
+        <p14:creationId xmlns:p14="http://schemas.microsoft.com/office/powerpoint/2010/main" val="2343796108"/>
       </p:ext>
     </p:extLst>
   </p:cSld>
@@ -6527,314 +6447,6 @@
                 </a:solidFill>
                 <a:latin typeface="Times New Roman" panose="02020603050405020304" pitchFamily="18" charset="0"/>
               </a:rPr>
-              <a:t>Future Work</a:t>
-            </a:r>
-          </a:p>
-        </p:txBody>
-      </p:sp>
-      <p:sp>
-        <p:nvSpPr>
-          <p:cNvPr id="3" name="TextBox 2">
-            <a:extLst>
-              <a:ext uri="{FF2B5EF4-FFF2-40B4-BE49-F238E27FC236}">
-                <a16:creationId xmlns:a16="http://schemas.microsoft.com/office/drawing/2014/main" id="{0619899A-31DA-FCDF-48CA-B2A307298A93}"/>
-              </a:ext>
-            </a:extLst>
-          </p:cNvPr>
-          <p:cNvSpPr txBox="1"/>
-          <p:nvPr/>
-        </p:nvSpPr>
-        <p:spPr>
-          <a:xfrm>
-            <a:off x="490219" y="1349647"/>
-            <a:ext cx="10751522" cy="4100610"/>
-          </a:xfrm>
-          <a:prstGeom prst="rect">
-            <a:avLst/>
-          </a:prstGeom>
-          <a:noFill/>
-        </p:spPr>
-        <p:txBody>
-          <a:bodyPr wrap="square">
-            <a:spAutoFit/>
-          </a:bodyPr>
-          <a:lstStyle/>
-          <a:p>
-            <a:pPr algn="just">
-              <a:lnSpc>
-                <a:spcPct val="115000"/>
-              </a:lnSpc>
-            </a:pPr>
-            <a:endParaRPr lang="en-IN" dirty="0">
-              <a:latin typeface="Times New Roman" panose="02020603050405020304" pitchFamily="18" charset="0"/>
-              <a:ea typeface="Arial" panose="020B0604020202020204" pitchFamily="34" charset="0"/>
-            </a:endParaRPr>
-          </a:p>
-          <a:p>
-            <a:pPr marL="285750" indent="-285750" algn="just">
-              <a:lnSpc>
-                <a:spcPct val="150000"/>
-              </a:lnSpc>
-              <a:buFont typeface="Wingdings" panose="05000000000000000000" pitchFamily="2" charset="2"/>
-              <a:buChar char="q"/>
-            </a:pPr>
-            <a:r>
-              <a:rPr lang="en-IN" sz="1800" dirty="0">
-                <a:effectLst/>
-                <a:latin typeface="Times New Roman" panose="02020603050405020304" pitchFamily="18" charset="0"/>
-                <a:ea typeface="Arial" panose="020B0604020202020204" pitchFamily="34" charset="0"/>
-              </a:rPr>
-              <a:t>We can involve additional features of managing the data related to the Payroll of the employee, the application can generate the Payroll of the Employee.</a:t>
-            </a:r>
-          </a:p>
-          <a:p>
-            <a:pPr marL="285750" indent="-285750" algn="just">
-              <a:lnSpc>
-                <a:spcPct val="150000"/>
-              </a:lnSpc>
-              <a:buFont typeface="Wingdings" panose="05000000000000000000" pitchFamily="2" charset="2"/>
-              <a:buChar char="q"/>
-            </a:pPr>
-            <a:endParaRPr lang="en-IN" dirty="0">
-              <a:latin typeface="Times New Roman" panose="02020603050405020304" pitchFamily="18" charset="0"/>
-              <a:ea typeface="Arial" panose="020B0604020202020204" pitchFamily="34" charset="0"/>
-            </a:endParaRPr>
-          </a:p>
-          <a:p>
-            <a:pPr marL="285750" indent="-285750" algn="just">
-              <a:lnSpc>
-                <a:spcPct val="150000"/>
-              </a:lnSpc>
-              <a:buFont typeface="Wingdings" panose="05000000000000000000" pitchFamily="2" charset="2"/>
-              <a:buChar char="q"/>
-            </a:pPr>
-            <a:r>
-              <a:rPr lang="en-IN" sz="1800" dirty="0">
-                <a:effectLst/>
-                <a:latin typeface="Times New Roman" panose="02020603050405020304" pitchFamily="18" charset="0"/>
-                <a:ea typeface="Arial" panose="020B0604020202020204" pitchFamily="34" charset="0"/>
-              </a:rPr>
-              <a:t>In future, we can also make the application to maintain the daily task details of the Employees so that it will become easier to maintain the daily tasks performed by the Employees which will eventually help in analysing the Performance of Employees.</a:t>
-            </a:r>
-          </a:p>
-          <a:p>
-            <a:pPr algn="just">
-              <a:lnSpc>
-                <a:spcPct val="150000"/>
-              </a:lnSpc>
-            </a:pPr>
-            <a:endParaRPr lang="en-IN" dirty="0">
-              <a:latin typeface="Times New Roman" panose="02020603050405020304" pitchFamily="18" charset="0"/>
-              <a:ea typeface="Arial" panose="020B0604020202020204" pitchFamily="34" charset="0"/>
-            </a:endParaRPr>
-          </a:p>
-          <a:p>
-            <a:pPr marL="285750" indent="-285750" algn="just">
-              <a:lnSpc>
-                <a:spcPct val="150000"/>
-              </a:lnSpc>
-              <a:buFont typeface="Wingdings" panose="05000000000000000000" pitchFamily="2" charset="2"/>
-              <a:buChar char="q"/>
-            </a:pPr>
-            <a:r>
-              <a:rPr lang="en-IN" sz="1800" dirty="0">
-                <a:effectLst/>
-                <a:latin typeface="Times New Roman" panose="02020603050405020304" pitchFamily="18" charset="0"/>
-                <a:ea typeface="Arial" panose="020B0604020202020204" pitchFamily="34" charset="0"/>
-              </a:rPr>
-              <a:t> By adding other modules like Payroll management, Employee Onboarding, Attendance tracker and Daily tasks tracker, this project can be enhanced and will ensure the business productivity.</a:t>
-            </a:r>
-          </a:p>
-        </p:txBody>
-      </p:sp>
-    </p:spTree>
-    <p:extLst>
-      <p:ext uri="{BB962C8B-B14F-4D97-AF65-F5344CB8AC3E}">
-        <p14:creationId xmlns:p14="http://schemas.microsoft.com/office/powerpoint/2010/main" val="2343796108"/>
-      </p:ext>
-    </p:extLst>
-  </p:cSld>
-  <p:clrMapOvr>
-    <a:masterClrMapping/>
-  </p:clrMapOvr>
-</p:sld>
-</file>
-
-<file path=ppt/slides/slide17.xml><?xml version="1.0" encoding="utf-8"?>
-<p:sld xmlns:a="http://schemas.openxmlformats.org/drawingml/2006/main" xmlns:r="http://schemas.openxmlformats.org/officeDocument/2006/relationships" xmlns:p="http://schemas.openxmlformats.org/presentationml/2006/main">
-  <p:cSld>
-    <p:spTree>
-      <p:nvGrpSpPr>
-        <p:cNvPr id="1" name=""/>
-        <p:cNvGrpSpPr/>
-        <p:nvPr/>
-      </p:nvGrpSpPr>
-      <p:grpSpPr>
-        <a:xfrm>
-          <a:off x="0" y="0"/>
-          <a:ext cx="0" cy="0"/>
-          <a:chOff x="0" y="0"/>
-          <a:chExt cx="0" cy="0"/>
-        </a:xfrm>
-      </p:grpSpPr>
-      <p:pic>
-        <p:nvPicPr>
-          <p:cNvPr id="4" name="Picture 3">
-            <a:extLst>
-              <a:ext uri="{FF2B5EF4-FFF2-40B4-BE49-F238E27FC236}">
-                <a16:creationId xmlns:a16="http://schemas.microsoft.com/office/drawing/2014/main" id="{3893C3C6-E6B4-0EAA-6168-B66B664B265B}"/>
-              </a:ext>
-            </a:extLst>
-          </p:cNvPr>
-          <p:cNvPicPr>
-            <a:picLocks noGrp="1" noRot="1" noChangeAspect="1" noMove="1" noResize="1" noEditPoints="1" noAdjustHandles="1" noChangeArrowheads="1" noChangeShapeType="1" noCrop="1"/>
-          </p:cNvPicPr>
-          <p:nvPr/>
-        </p:nvPicPr>
-        <p:blipFill>
-          <a:blip r:embed="rId2" cstate="email">
-            <a:extLst>
-              <a:ext uri="{28A0092B-C50C-407E-A947-70E740481C1C}">
-                <a14:useLocalDpi xmlns:a14="http://schemas.microsoft.com/office/drawing/2010/main"/>
-              </a:ext>
-            </a:extLst>
-          </a:blip>
-          <a:stretch>
-            <a:fillRect/>
-          </a:stretch>
-        </p:blipFill>
-        <p:spPr>
-          <a:xfrm flipH="1">
-            <a:off x="0" y="0"/>
-            <a:ext cx="12192000" cy="6858000"/>
-          </a:xfrm>
-          <a:prstGeom prst="rect">
-            <a:avLst/>
-          </a:prstGeom>
-        </p:spPr>
-      </p:pic>
-      <p:cxnSp>
-        <p:nvCxnSpPr>
-          <p:cNvPr id="5" name="Straight Connector 4">
-            <a:extLst>
-              <a:ext uri="{FF2B5EF4-FFF2-40B4-BE49-F238E27FC236}">
-                <a16:creationId xmlns:a16="http://schemas.microsoft.com/office/drawing/2014/main" id="{6317BEF4-F659-05B0-B884-5FBC9950BC38}"/>
-              </a:ext>
-            </a:extLst>
-          </p:cNvPr>
-          <p:cNvCxnSpPr>
-            <a:cxnSpLocks/>
-          </p:cNvCxnSpPr>
-          <p:nvPr/>
-        </p:nvCxnSpPr>
-        <p:spPr>
-          <a:xfrm>
-            <a:off x="2404113" y="383848"/>
-            <a:ext cx="0" cy="429893"/>
-          </a:xfrm>
-          <a:prstGeom prst="line">
-            <a:avLst/>
-          </a:prstGeom>
-          <a:ln w="12700">
-            <a:solidFill>
-              <a:srgbClr val="DD4F22"/>
-            </a:solidFill>
-          </a:ln>
-        </p:spPr>
-        <p:style>
-          <a:lnRef idx="1">
-            <a:schemeClr val="accent1"/>
-          </a:lnRef>
-          <a:fillRef idx="0">
-            <a:schemeClr val="accent1"/>
-          </a:fillRef>
-          <a:effectRef idx="0">
-            <a:schemeClr val="accent1"/>
-          </a:effectRef>
-          <a:fontRef idx="minor">
-            <a:schemeClr val="tx1"/>
-          </a:fontRef>
-        </p:style>
-      </p:cxnSp>
-      <p:pic>
-        <p:nvPicPr>
-          <p:cNvPr id="6" name="Picture 5">
-            <a:extLst>
-              <a:ext uri="{FF2B5EF4-FFF2-40B4-BE49-F238E27FC236}">
-                <a16:creationId xmlns:a16="http://schemas.microsoft.com/office/drawing/2014/main" id="{4C8E9BB0-02EA-460A-EDCE-9CB013DFF909}"/>
-              </a:ext>
-            </a:extLst>
-          </p:cNvPr>
-          <p:cNvPicPr>
-            <a:picLocks noGrp="1" noRot="1" noChangeAspect="1" noMove="1" noResize="1" noEditPoints="1" noAdjustHandles="1" noChangeArrowheads="1" noChangeShapeType="1" noCrop="1"/>
-          </p:cNvPicPr>
-          <p:nvPr/>
-        </p:nvPicPr>
-        <p:blipFill>
-          <a:blip r:embed="rId3">
-            <a:extLst>
-              <a:ext uri="{28A0092B-C50C-407E-A947-70E740481C1C}">
-                <a14:useLocalDpi xmlns:a14="http://schemas.microsoft.com/office/drawing/2010/main" val="0"/>
-              </a:ext>
-            </a:extLst>
-          </a:blip>
-          <a:srcRect/>
-          <a:stretch/>
-        </p:blipFill>
-        <p:spPr>
-          <a:xfrm>
-            <a:off x="217505" y="338023"/>
-            <a:ext cx="1963465" cy="521544"/>
-          </a:xfrm>
-          <a:prstGeom prst="rect">
-            <a:avLst/>
-          </a:prstGeom>
-        </p:spPr>
-      </p:pic>
-      <p:sp>
-        <p:nvSpPr>
-          <p:cNvPr id="8" name="TextBox 7">
-            <a:extLst>
-              <a:ext uri="{FF2B5EF4-FFF2-40B4-BE49-F238E27FC236}">
-                <a16:creationId xmlns:a16="http://schemas.microsoft.com/office/drawing/2014/main" id="{83A5D50A-7BF5-47B2-27E6-96AA33171B2B}"/>
-              </a:ext>
-            </a:extLst>
-          </p:cNvPr>
-          <p:cNvSpPr txBox="1">
-            <a:spLocks noGrp="1" noRot="1" noMove="1" noResize="1" noEditPoints="1" noAdjustHandles="1" noChangeArrowheads="1" noChangeShapeType="1"/>
-          </p:cNvSpPr>
-          <p:nvPr/>
-        </p:nvSpPr>
-        <p:spPr>
-          <a:xfrm>
-            <a:off x="2499360" y="383848"/>
-            <a:ext cx="8818879" cy="483017"/>
-          </a:xfrm>
-          <a:prstGeom prst="rect">
-            <a:avLst/>
-          </a:prstGeom>
-          <a:solidFill>
-            <a:srgbClr val="FF6709"/>
-          </a:solidFill>
-        </p:spPr>
-        <p:txBody>
-          <a:bodyPr wrap="square" rtlCol="0">
-            <a:spAutoFit/>
-          </a:bodyPr>
-          <a:lstStyle/>
-          <a:p>
-            <a:pPr>
-              <a:lnSpc>
-                <a:spcPct val="115000"/>
-              </a:lnSpc>
-            </a:pPr>
-            <a:r>
-              <a:rPr lang="en-IN" sz="2400" b="1" dirty="0">
-                <a:solidFill>
-                  <a:schemeClr val="bg1"/>
-                </a:solidFill>
-                <a:latin typeface="Times New Roman" panose="02020603050405020304" pitchFamily="18" charset="0"/>
-              </a:rPr>
               <a:t>References</a:t>
             </a:r>
           </a:p>
@@ -7013,7 +6625,7 @@
 </p:sld>
 </file>
 
-<file path=ppt/slides/slide18.xml><?xml version="1.0" encoding="utf-8"?>
+<file path=ppt/slides/slide17.xml><?xml version="1.0" encoding="utf-8"?>
 <p:sld xmlns:a="http://schemas.openxmlformats.org/drawingml/2006/main" xmlns:r="http://schemas.openxmlformats.org/officeDocument/2006/relationships" xmlns:p="http://schemas.openxmlformats.org/presentationml/2006/main">
   <p:cSld>
     <p:spTree>
@@ -7401,7 +7013,7 @@
         <p:spPr>
           <a:xfrm>
             <a:off x="697940" y="1503679"/>
-            <a:ext cx="10061497" cy="3157788"/>
+            <a:ext cx="10061497" cy="3434786"/>
           </a:xfrm>
           <a:prstGeom prst="rect">
             <a:avLst/>
@@ -7478,6 +7090,22 @@
               </a:rPr>
               <a:t>Project Overview</a:t>
             </a:r>
+          </a:p>
+          <a:p>
+            <a:pPr marL="342900" indent="-342900">
+              <a:buSzPts val="1400"/>
+              <a:buFont typeface="+mj-lt"/>
+              <a:buAutoNum type="arabicPeriod"/>
+            </a:pPr>
+            <a:r>
+              <a:rPr lang="en-IN" sz="1800" b="1" dirty="0">
+                <a:latin typeface="Times New Roman" panose="02020603050405020304" pitchFamily="18" charset="0"/>
+              </a:rPr>
+              <a:t>Architecture Design</a:t>
+            </a:r>
+            <a:endParaRPr lang="en-IN" b="1" dirty="0">
+              <a:latin typeface="Times New Roman" panose="02020603050405020304" pitchFamily="18" charset="0"/>
+            </a:endParaRPr>
           </a:p>
           <a:p>
             <a:pPr marL="342900" lvl="0" indent="-342900">
@@ -8456,7 +8084,7 @@
                 </a:solidFill>
                 <a:latin typeface="Times New Roman" panose="02020603050405020304" pitchFamily="18" charset="0"/>
               </a:rPr>
-              <a:t>User Interface Design </a:t>
+              <a:t>Architecture Design</a:t>
             </a:r>
           </a:p>
         </p:txBody>
@@ -8500,7 +8128,7 @@
                 <a:latin typeface="Times New Roman" panose="02020603050405020304" pitchFamily="18" charset="0"/>
                 <a:ea typeface="Arial" panose="020B0604020202020204" pitchFamily="34" charset="0"/>
               </a:rPr>
-              <a:t>Database Table</a:t>
+              <a:t>Sequence Diagram</a:t>
             </a:r>
           </a:p>
           <a:p>
@@ -8553,10 +8181,10 @@
       </p:sp>
       <p:pic>
         <p:nvPicPr>
-          <p:cNvPr id="3" name="Picture 2">
-            <a:extLst>
-              <a:ext uri="{FF2B5EF4-FFF2-40B4-BE49-F238E27FC236}">
-                <a16:creationId xmlns:a16="http://schemas.microsoft.com/office/drawing/2014/main" id="{C6354C26-C8A7-4566-80E6-64FAAC10C343}"/>
+          <p:cNvPr id="7" name="Picture 6">
+            <a:extLst>
+              <a:ext uri="{FF2B5EF4-FFF2-40B4-BE49-F238E27FC236}">
+                <a16:creationId xmlns:a16="http://schemas.microsoft.com/office/drawing/2014/main" id="{04129A75-C171-4D20-93B2-0AD9781D3583}"/>
               </a:ext>
             </a:extLst>
           </p:cNvPr>
@@ -8579,8 +8207,8 @@
         </p:blipFill>
         <p:spPr>
           <a:xfrm>
-            <a:off x="994634" y="2312019"/>
-            <a:ext cx="6598472" cy="2990315"/>
+            <a:off x="1199237" y="2310459"/>
+            <a:ext cx="6949440" cy="3488463"/>
           </a:xfrm>
           <a:prstGeom prst="rect">
             <a:avLst/>
@@ -8645,7 +8273,7 @@
         </p:blipFill>
         <p:spPr>
           <a:xfrm flipH="1">
-            <a:off x="0" y="0"/>
+            <a:off x="0" y="18088"/>
             <a:ext cx="12192000" cy="6858000"/>
           </a:xfrm>
           <a:prstGeom prst="rect">
@@ -8748,7 +8376,7 @@
         <p:spPr>
           <a:xfrm>
             <a:off x="2499360" y="383848"/>
-            <a:ext cx="8818879" cy="461665"/>
+            <a:ext cx="8818879" cy="482633"/>
           </a:xfrm>
           <a:prstGeom prst="rect">
             <a:avLst/>
@@ -8763,27 +8391,39 @@
           </a:bodyPr>
           <a:lstStyle/>
           <a:p>
-            <a:pPr lvl="0">
-              <a:buSzPts val="1400"/>
+            <a:pPr>
+              <a:lnSpc>
+                <a:spcPct val="115000"/>
+              </a:lnSpc>
             </a:pPr>
             <a:r>
               <a:rPr lang="en-IN" sz="2400" b="1" dirty="0">
                 <a:solidFill>
                   <a:schemeClr val="bg1"/>
                 </a:solidFill>
+                <a:effectLst/>
                 <a:latin typeface="Times New Roman" panose="02020603050405020304" pitchFamily="18" charset="0"/>
+                <a:ea typeface="Arial" panose="020B0604020202020204" pitchFamily="34" charset="0"/>
               </a:rPr>
-              <a:t>User Interface Design </a:t>
-            </a:r>
+              <a:t>Back-end Development</a:t>
+            </a:r>
+            <a:endParaRPr lang="en-IN" sz="1400" dirty="0">
+              <a:solidFill>
+                <a:schemeClr val="bg1"/>
+              </a:solidFill>
+              <a:effectLst/>
+              <a:latin typeface="Arial" panose="020B0604020202020204" pitchFamily="34" charset="0"/>
+              <a:ea typeface="Arial" panose="020B0604020202020204" pitchFamily="34" charset="0"/>
+            </a:endParaRPr>
           </a:p>
         </p:txBody>
       </p:sp>
       <p:sp>
         <p:nvSpPr>
-          <p:cNvPr id="10" name="TextBox 9">
-            <a:extLst>
-              <a:ext uri="{FF2B5EF4-FFF2-40B4-BE49-F238E27FC236}">
-                <a16:creationId xmlns:a16="http://schemas.microsoft.com/office/drawing/2014/main" id="{F71EEDC0-3CC6-66B5-D744-43E72A9CA66B}"/>
+          <p:cNvPr id="7" name="TextBox 6">
+            <a:extLst>
+              <a:ext uri="{FF2B5EF4-FFF2-40B4-BE49-F238E27FC236}">
+                <a16:creationId xmlns:a16="http://schemas.microsoft.com/office/drawing/2014/main" id="{02FB6A81-F334-0D76-10FC-F69162C07E4E}"/>
               </a:ext>
             </a:extLst>
           </p:cNvPr>
@@ -8792,8 +8432,8 @@
         </p:nvSpPr>
         <p:spPr>
           <a:xfrm>
-            <a:off x="911561" y="1394471"/>
-            <a:ext cx="5026660" cy="2893806"/>
+            <a:off x="490219" y="1349647"/>
+            <a:ext cx="10975613" cy="4880119"/>
           </a:xfrm>
           <a:prstGeom prst="rect">
             <a:avLst/>
@@ -8806,95 +8446,223 @@
           </a:bodyPr>
           <a:lstStyle/>
           <a:p>
-            <a:pPr algn="just">
-              <a:lnSpc>
-                <a:spcPct val="115000"/>
-              </a:lnSpc>
-            </a:pPr>
-            <a:r>
-              <a:rPr lang="en-IN" sz="2000" b="1" dirty="0">
+            <a:pPr marL="285750" indent="-285750" algn="just">
+              <a:lnSpc>
+                <a:spcPct val="115000"/>
+              </a:lnSpc>
+              <a:buFont typeface="Wingdings" panose="05000000000000000000" pitchFamily="2" charset="2"/>
+              <a:buChar char="q"/>
+            </a:pPr>
+            <a:endParaRPr lang="en-US" b="1" dirty="0">
+              <a:latin typeface="Times New Roman" panose="02020603050405020304" pitchFamily="18" charset="0"/>
+              <a:cs typeface="Times New Roman" panose="02020603050405020304" pitchFamily="18" charset="0"/>
+            </a:endParaRPr>
+          </a:p>
+          <a:p>
+            <a:pPr marL="285750" indent="-285750" algn="just">
+              <a:lnSpc>
+                <a:spcPct val="115000"/>
+              </a:lnSpc>
+              <a:buFont typeface="Wingdings" panose="05000000000000000000" pitchFamily="2" charset="2"/>
+              <a:buChar char="q"/>
+            </a:pPr>
+            <a:r>
+              <a:rPr lang="en-US" sz="2000" b="1" dirty="0">
+                <a:latin typeface="Times New Roman" panose="02020603050405020304" pitchFamily="18" charset="0"/>
+                <a:cs typeface="Times New Roman" panose="02020603050405020304" pitchFamily="18" charset="0"/>
+              </a:rPr>
+              <a:t>Create the database schema</a:t>
+            </a:r>
+            <a:endParaRPr lang="en-US" sz="2000" dirty="0">
+              <a:latin typeface="Times New Roman" panose="02020603050405020304" pitchFamily="18" charset="0"/>
+              <a:cs typeface="Times New Roman" panose="02020603050405020304" pitchFamily="18" charset="0"/>
+            </a:endParaRPr>
+          </a:p>
+          <a:p>
+            <a:pPr marL="285750" indent="-285750" algn="just">
+              <a:lnSpc>
+                <a:spcPct val="115000"/>
+              </a:lnSpc>
+              <a:buFont typeface="Wingdings" panose="05000000000000000000" pitchFamily="2" charset="2"/>
+              <a:buChar char="q"/>
+            </a:pPr>
+            <a:r>
+              <a:rPr lang="en-US" sz="2000" b="1" dirty="0">
+                <a:latin typeface="Times New Roman" panose="02020603050405020304" pitchFamily="18" charset="0"/>
+                <a:cs typeface="Times New Roman" panose="02020603050405020304" pitchFamily="18" charset="0"/>
+              </a:rPr>
+              <a:t>Create the Spring Boot project</a:t>
+            </a:r>
+          </a:p>
+          <a:p>
+            <a:pPr marL="285750" indent="-285750" algn="just">
+              <a:lnSpc>
+                <a:spcPct val="115000"/>
+              </a:lnSpc>
+              <a:buFont typeface="Wingdings" panose="05000000000000000000" pitchFamily="2" charset="2"/>
+              <a:buChar char="q"/>
+            </a:pPr>
+            <a:r>
+              <a:rPr lang="en-US" sz="2000" b="1" dirty="0">
+                <a:latin typeface="Times New Roman" panose="02020603050405020304" pitchFamily="18" charset="0"/>
+                <a:cs typeface="Times New Roman" panose="02020603050405020304" pitchFamily="18" charset="0"/>
+              </a:rPr>
+              <a:t>Implement the Code</a:t>
+            </a:r>
+          </a:p>
+          <a:p>
+            <a:pPr marL="285750" indent="-285750" algn="just">
+              <a:lnSpc>
+                <a:spcPct val="115000"/>
+              </a:lnSpc>
+              <a:buFont typeface="Arial" panose="020B0604020202020204" pitchFamily="34" charset="0"/>
+              <a:buChar char="•"/>
+            </a:pPr>
+            <a:r>
+              <a:rPr lang="en-US" sz="2000" dirty="0">
+                <a:latin typeface="Times New Roman" panose="02020603050405020304" pitchFamily="18" charset="0"/>
+                <a:cs typeface="Times New Roman" panose="02020603050405020304" pitchFamily="18" charset="0"/>
+              </a:rPr>
+              <a:t>Create Employee entity</a:t>
+            </a:r>
+          </a:p>
+          <a:p>
+            <a:pPr marL="285750" indent="-285750" algn="just">
+              <a:lnSpc>
+                <a:spcPct val="115000"/>
+              </a:lnSpc>
+              <a:buFont typeface="Arial" panose="020B0604020202020204" pitchFamily="34" charset="0"/>
+              <a:buChar char="•"/>
+            </a:pPr>
+            <a:r>
+              <a:rPr lang="en-US" sz="2000" dirty="0">
+                <a:latin typeface="Times New Roman" panose="02020603050405020304" pitchFamily="18" charset="0"/>
+                <a:cs typeface="Times New Roman" panose="02020603050405020304" pitchFamily="18" charset="0"/>
+              </a:rPr>
+              <a:t>Create DAO layer</a:t>
+            </a:r>
+          </a:p>
+          <a:p>
+            <a:pPr marL="285750" indent="-285750" algn="just">
+              <a:lnSpc>
+                <a:spcPct val="115000"/>
+              </a:lnSpc>
+              <a:buFont typeface="Arial" panose="020B0604020202020204" pitchFamily="34" charset="0"/>
+              <a:buChar char="•"/>
+            </a:pPr>
+            <a:r>
+              <a:rPr lang="en-US" sz="2000" dirty="0">
+                <a:latin typeface="Times New Roman" panose="02020603050405020304" pitchFamily="18" charset="0"/>
+                <a:cs typeface="Times New Roman" panose="02020603050405020304" pitchFamily="18" charset="0"/>
+              </a:rPr>
+              <a:t>Create Controller layer</a:t>
+            </a:r>
+          </a:p>
+          <a:p>
+            <a:pPr marL="285750" indent="-285750" algn="just">
+              <a:lnSpc>
+                <a:spcPct val="115000"/>
+              </a:lnSpc>
+              <a:buFont typeface="Wingdings" panose="05000000000000000000" pitchFamily="2" charset="2"/>
+              <a:buChar char="q"/>
+            </a:pPr>
+            <a:r>
+              <a:rPr lang="en-US" sz="2000" b="1" dirty="0">
+                <a:latin typeface="Times New Roman" panose="02020603050405020304" pitchFamily="18" charset="0"/>
+                <a:cs typeface="Times New Roman" panose="02020603050405020304" pitchFamily="18" charset="0"/>
+              </a:rPr>
+              <a:t>Add encryption and decryption functionality</a:t>
+            </a:r>
+          </a:p>
+          <a:p>
+            <a:pPr marL="285750" indent="-285750" algn="just">
+              <a:lnSpc>
+                <a:spcPct val="115000"/>
+              </a:lnSpc>
+              <a:buFont typeface="Wingdings" panose="05000000000000000000" pitchFamily="2" charset="2"/>
+              <a:buChar char="q"/>
+            </a:pPr>
+            <a:r>
+              <a:rPr lang="en-US" sz="2000" b="1" dirty="0">
+                <a:latin typeface="Times New Roman" panose="02020603050405020304" pitchFamily="18" charset="0"/>
+                <a:cs typeface="Times New Roman" panose="02020603050405020304" pitchFamily="18" charset="0"/>
+              </a:rPr>
+              <a:t>Add logging functionality</a:t>
+            </a:r>
+          </a:p>
+          <a:p>
+            <a:pPr marL="285750" indent="-285750" algn="just">
+              <a:lnSpc>
+                <a:spcPct val="115000"/>
+              </a:lnSpc>
+              <a:buFont typeface="Wingdings" panose="05000000000000000000" pitchFamily="2" charset="2"/>
+              <a:buChar char="q"/>
+            </a:pPr>
+            <a:r>
+              <a:rPr lang="en-US" sz="2000" b="1" dirty="0">
+                <a:latin typeface="Times New Roman" panose="02020603050405020304" pitchFamily="18" charset="0"/>
+                <a:cs typeface="Times New Roman" panose="02020603050405020304" pitchFamily="18" charset="0"/>
+              </a:rPr>
+              <a:t>Secure the web service</a:t>
+            </a:r>
+          </a:p>
+          <a:p>
+            <a:pPr marL="285750" indent="-285750" algn="just">
+              <a:lnSpc>
+                <a:spcPct val="115000"/>
+              </a:lnSpc>
+              <a:buFont typeface="Wingdings" panose="05000000000000000000" pitchFamily="2" charset="2"/>
+              <a:buChar char="q"/>
+            </a:pPr>
+            <a:r>
+              <a:rPr lang="en-US" sz="2000" b="1" dirty="0">
+                <a:latin typeface="Times New Roman" panose="02020603050405020304" pitchFamily="18" charset="0"/>
+                <a:cs typeface="Times New Roman" panose="02020603050405020304" pitchFamily="18" charset="0"/>
+              </a:rPr>
+              <a:t>Run the web service</a:t>
+            </a:r>
+            <a:endParaRPr lang="en-US" sz="2000" dirty="0">
+              <a:latin typeface="Times New Roman" panose="02020603050405020304" pitchFamily="18" charset="0"/>
+              <a:cs typeface="Times New Roman" panose="02020603050405020304" pitchFamily="18" charset="0"/>
+            </a:endParaRPr>
+          </a:p>
+          <a:p>
+            <a:pPr algn="just">
+              <a:lnSpc>
+                <a:spcPct val="115000"/>
+              </a:lnSpc>
+            </a:pPr>
+            <a:endParaRPr lang="en-US" dirty="0">
+              <a:latin typeface="Times New Roman" panose="02020603050405020304" pitchFamily="18" charset="0"/>
+              <a:cs typeface="Times New Roman" panose="02020603050405020304" pitchFamily="18" charset="0"/>
+            </a:endParaRPr>
+          </a:p>
+          <a:p>
+            <a:pPr algn="just">
+              <a:lnSpc>
+                <a:spcPct val="115000"/>
+              </a:lnSpc>
+            </a:pPr>
+            <a:endParaRPr lang="en-US" dirty="0">
+              <a:latin typeface="Times New Roman" panose="02020603050405020304" pitchFamily="18" charset="0"/>
+              <a:cs typeface="Times New Roman" panose="02020603050405020304" pitchFamily="18" charset="0"/>
+            </a:endParaRPr>
+          </a:p>
+          <a:p>
+            <a:pPr algn="just">
+              <a:lnSpc>
+                <a:spcPct val="115000"/>
+              </a:lnSpc>
+            </a:pPr>
+            <a:r>
+              <a:rPr lang="en-IN" sz="1800" dirty="0">
+                <a:effectLst/>
                 <a:latin typeface="Times New Roman" panose="02020603050405020304" pitchFamily="18" charset="0"/>
                 <a:ea typeface="Arial" panose="020B0604020202020204" pitchFamily="34" charset="0"/>
               </a:rPr>
-              <a:t>POSTMAN(Backend Testing)</a:t>
-            </a:r>
-          </a:p>
-          <a:p>
-            <a:pPr algn="just">
-              <a:lnSpc>
-                <a:spcPct val="115000"/>
-              </a:lnSpc>
-            </a:pPr>
-            <a:endParaRPr lang="en-IN" sz="2000" b="1" dirty="0">
-              <a:effectLst/>
-              <a:latin typeface="Times New Roman" panose="02020603050405020304" pitchFamily="18" charset="0"/>
-              <a:ea typeface="Arial" panose="020B0604020202020204" pitchFamily="34" charset="0"/>
-            </a:endParaRPr>
-          </a:p>
-          <a:p>
-            <a:pPr algn="just">
-              <a:lnSpc>
-                <a:spcPct val="115000"/>
-              </a:lnSpc>
-            </a:pPr>
-            <a:endParaRPr lang="en-IN" sz="2000" b="1" dirty="0">
-              <a:latin typeface="Times New Roman" panose="02020603050405020304" pitchFamily="18" charset="0"/>
-              <a:ea typeface="Arial" panose="020B0604020202020204" pitchFamily="34" charset="0"/>
-            </a:endParaRPr>
-          </a:p>
-          <a:p>
-            <a:pPr algn="just">
-              <a:lnSpc>
-                <a:spcPct val="115000"/>
-              </a:lnSpc>
-            </a:pPr>
-            <a:endParaRPr lang="en-IN" sz="2000" b="1" dirty="0">
-              <a:effectLst/>
-              <a:latin typeface="Times New Roman" panose="02020603050405020304" pitchFamily="18" charset="0"/>
-              <a:ea typeface="Arial" panose="020B0604020202020204" pitchFamily="34" charset="0"/>
-            </a:endParaRPr>
-          </a:p>
-          <a:p>
-            <a:pPr algn="just">
-              <a:lnSpc>
-                <a:spcPct val="115000"/>
-              </a:lnSpc>
-            </a:pPr>
-            <a:endParaRPr lang="en-IN" sz="2000" b="1" dirty="0">
-              <a:latin typeface="Times New Roman" panose="02020603050405020304" pitchFamily="18" charset="0"/>
-              <a:ea typeface="Arial" panose="020B0604020202020204" pitchFamily="34" charset="0"/>
-            </a:endParaRPr>
-          </a:p>
-          <a:p>
-            <a:pPr algn="just">
-              <a:lnSpc>
-                <a:spcPct val="115000"/>
-              </a:lnSpc>
-            </a:pPr>
-            <a:endParaRPr lang="en-IN" sz="2000" b="1" dirty="0">
-              <a:effectLst/>
-              <a:latin typeface="Times New Roman" panose="02020603050405020304" pitchFamily="18" charset="0"/>
-              <a:ea typeface="Arial" panose="020B0604020202020204" pitchFamily="34" charset="0"/>
-            </a:endParaRPr>
-          </a:p>
-          <a:p>
-            <a:pPr algn="just">
-              <a:lnSpc>
-                <a:spcPct val="115000"/>
-              </a:lnSpc>
-            </a:pPr>
-            <a:endParaRPr lang="en-IN" sz="2000" b="1" dirty="0">
-              <a:latin typeface="Times New Roman" panose="02020603050405020304" pitchFamily="18" charset="0"/>
-              <a:ea typeface="Arial" panose="020B0604020202020204" pitchFamily="34" charset="0"/>
-            </a:endParaRPr>
-          </a:p>
-          <a:p>
-            <a:pPr algn="just">
-              <a:lnSpc>
-                <a:spcPct val="115000"/>
-              </a:lnSpc>
-            </a:pPr>
-            <a:endParaRPr lang="en-IN" sz="2000" b="1" dirty="0">
+              <a:t>.</a:t>
+            </a:r>
+            <a:endParaRPr lang="en-IN" sz="1400" dirty="0">
               <a:effectLst/>
               <a:latin typeface="Arial" panose="020B0604020202020204" pitchFamily="34" charset="0"/>
               <a:ea typeface="Arial" panose="020B0604020202020204" pitchFamily="34" charset="0"/>
@@ -8902,46 +8670,10 @@
           </a:p>
         </p:txBody>
       </p:sp>
-      <p:pic>
-        <p:nvPicPr>
-          <p:cNvPr id="7" name="Picture 6">
-            <a:extLst>
-              <a:ext uri="{FF2B5EF4-FFF2-40B4-BE49-F238E27FC236}">
-                <a16:creationId xmlns:a16="http://schemas.microsoft.com/office/drawing/2014/main" id="{2DDEC990-EE37-4188-9586-CCAAF9A278EF}"/>
-              </a:ext>
-            </a:extLst>
-          </p:cNvPr>
-          <p:cNvPicPr>
-            <a:picLocks noChangeAspect="1"/>
-          </p:cNvPicPr>
-          <p:nvPr/>
-        </p:nvPicPr>
-        <p:blipFill>
-          <a:blip r:embed="rId4">
-            <a:extLst>
-              <a:ext uri="{28A0092B-C50C-407E-A947-70E740481C1C}">
-                <a14:useLocalDpi xmlns:a14="http://schemas.microsoft.com/office/drawing/2010/main" val="0"/>
-              </a:ext>
-            </a:extLst>
-          </a:blip>
-          <a:stretch>
-            <a:fillRect/>
-          </a:stretch>
-        </p:blipFill>
-        <p:spPr>
-          <a:xfrm>
-            <a:off x="911561" y="2254038"/>
-            <a:ext cx="10126756" cy="3585008"/>
-          </a:xfrm>
-          <a:prstGeom prst="rect">
-            <a:avLst/>
-          </a:prstGeom>
-        </p:spPr>
-      </p:pic>
     </p:spTree>
     <p:extLst>
       <p:ext uri="{BB962C8B-B14F-4D97-AF65-F5344CB8AC3E}">
-        <p14:creationId xmlns:p14="http://schemas.microsoft.com/office/powerpoint/2010/main" val="2669273918"/>
+        <p14:creationId xmlns:p14="http://schemas.microsoft.com/office/powerpoint/2010/main" val="41928864"/>
       </p:ext>
     </p:extLst>
   </p:cSld>
@@ -8996,7 +8728,7 @@
         </p:blipFill>
         <p:spPr>
           <a:xfrm flipH="1">
-            <a:off x="0" y="18088"/>
+            <a:off x="0" y="-20320"/>
             <a:ext cx="12192000" cy="6858000"/>
           </a:xfrm>
           <a:prstGeom prst="rect">
@@ -9099,7 +8831,7 @@
         <p:spPr>
           <a:xfrm>
             <a:off x="2499360" y="383848"/>
-            <a:ext cx="8818879" cy="482633"/>
+            <a:ext cx="8818879" cy="483017"/>
           </a:xfrm>
           <a:prstGeom prst="rect">
             <a:avLst/>
@@ -9124,20 +8856,10 @@
                 <a:solidFill>
                   <a:schemeClr val="bg1"/>
                 </a:solidFill>
-                <a:effectLst/>
                 <a:latin typeface="Times New Roman" panose="02020603050405020304" pitchFamily="18" charset="0"/>
-                <a:ea typeface="Arial" panose="020B0604020202020204" pitchFamily="34" charset="0"/>
               </a:rPr>
-              <a:t>Back-end Development</a:t>
-            </a:r>
-            <a:endParaRPr lang="en-IN" sz="1400" dirty="0">
-              <a:solidFill>
-                <a:schemeClr val="bg1"/>
-              </a:solidFill>
-              <a:effectLst/>
-              <a:latin typeface="Arial" panose="020B0604020202020204" pitchFamily="34" charset="0"/>
-              <a:ea typeface="Arial" panose="020B0604020202020204" pitchFamily="34" charset="0"/>
-            </a:endParaRPr>
+              <a:t>Integration and Testing</a:t>
+            </a:r>
           </a:p>
         </p:txBody>
       </p:sp>
@@ -9146,7 +8868,7 @@
           <p:cNvPr id="7" name="TextBox 6">
             <a:extLst>
               <a:ext uri="{FF2B5EF4-FFF2-40B4-BE49-F238E27FC236}">
-                <a16:creationId xmlns:a16="http://schemas.microsoft.com/office/drawing/2014/main" id="{02FB6A81-F334-0D76-10FC-F69162C07E4E}"/>
+                <a16:creationId xmlns:a16="http://schemas.microsoft.com/office/drawing/2014/main" id="{7A00B694-CE8C-1B3C-6470-234A7FE34C41}"/>
               </a:ext>
             </a:extLst>
           </p:cNvPr>
@@ -9156,7 +8878,7 @@
         <p:spPr>
           <a:xfrm>
             <a:off x="490219" y="1349647"/>
-            <a:ext cx="10975613" cy="4880119"/>
+            <a:ext cx="8617921" cy="2513445"/>
           </a:xfrm>
           <a:prstGeom prst="rect">
             <a:avLst/>
@@ -9169,234 +8891,158 @@
           </a:bodyPr>
           <a:lstStyle/>
           <a:p>
-            <a:pPr marL="285750" indent="-285750" algn="just">
-              <a:lnSpc>
-                <a:spcPct val="115000"/>
-              </a:lnSpc>
-              <a:buFont typeface="Wingdings" panose="05000000000000000000" pitchFamily="2" charset="2"/>
-              <a:buChar char="q"/>
-            </a:pPr>
-            <a:endParaRPr lang="en-US" b="1" dirty="0">
-              <a:latin typeface="Times New Roman" panose="02020603050405020304" pitchFamily="18" charset="0"/>
-              <a:cs typeface="Times New Roman" panose="02020603050405020304" pitchFamily="18" charset="0"/>
-            </a:endParaRPr>
-          </a:p>
-          <a:p>
-            <a:pPr marL="285750" indent="-285750" algn="just">
-              <a:lnSpc>
-                <a:spcPct val="115000"/>
-              </a:lnSpc>
-              <a:buFont typeface="Wingdings" panose="05000000000000000000" pitchFamily="2" charset="2"/>
-              <a:buChar char="q"/>
-            </a:pPr>
-            <a:r>
-              <a:rPr lang="en-US" sz="2000" b="1" dirty="0">
-                <a:latin typeface="Times New Roman" panose="02020603050405020304" pitchFamily="18" charset="0"/>
-                <a:cs typeface="Times New Roman" panose="02020603050405020304" pitchFamily="18" charset="0"/>
-              </a:rPr>
-              <a:t>Create the database schema</a:t>
-            </a:r>
-            <a:endParaRPr lang="en-US" sz="2000" dirty="0">
-              <a:latin typeface="Times New Roman" panose="02020603050405020304" pitchFamily="18" charset="0"/>
-              <a:cs typeface="Times New Roman" panose="02020603050405020304" pitchFamily="18" charset="0"/>
-            </a:endParaRPr>
-          </a:p>
-          <a:p>
-            <a:pPr marL="285750" indent="-285750" algn="just">
-              <a:lnSpc>
-                <a:spcPct val="115000"/>
-              </a:lnSpc>
-              <a:buFont typeface="Wingdings" panose="05000000000000000000" pitchFamily="2" charset="2"/>
-              <a:buChar char="q"/>
-            </a:pPr>
-            <a:r>
-              <a:rPr lang="en-US" sz="2000" b="1" dirty="0">
-                <a:latin typeface="Times New Roman" panose="02020603050405020304" pitchFamily="18" charset="0"/>
-                <a:cs typeface="Times New Roman" panose="02020603050405020304" pitchFamily="18" charset="0"/>
-              </a:rPr>
-              <a:t>Create the Spring Boot project</a:t>
-            </a:r>
-          </a:p>
-          <a:p>
-            <a:pPr marL="285750" indent="-285750" algn="just">
-              <a:lnSpc>
-                <a:spcPct val="115000"/>
-              </a:lnSpc>
-              <a:buFont typeface="Wingdings" panose="05000000000000000000" pitchFamily="2" charset="2"/>
-              <a:buChar char="q"/>
-            </a:pPr>
-            <a:r>
-              <a:rPr lang="en-US" sz="2000" b="1" dirty="0">
-                <a:latin typeface="Times New Roman" panose="02020603050405020304" pitchFamily="18" charset="0"/>
-                <a:cs typeface="Times New Roman" panose="02020603050405020304" pitchFamily="18" charset="0"/>
-              </a:rPr>
-              <a:t>Implement the Code</a:t>
-            </a:r>
-          </a:p>
-          <a:p>
-            <a:pPr marL="285750" indent="-285750" algn="just">
-              <a:lnSpc>
-                <a:spcPct val="115000"/>
-              </a:lnSpc>
-              <a:buFont typeface="Arial" panose="020B0604020202020204" pitchFamily="34" charset="0"/>
-              <a:buChar char="•"/>
-            </a:pPr>
-            <a:r>
-              <a:rPr lang="en-US" sz="2000" dirty="0">
-                <a:latin typeface="Times New Roman" panose="02020603050405020304" pitchFamily="18" charset="0"/>
-                <a:cs typeface="Times New Roman" panose="02020603050405020304" pitchFamily="18" charset="0"/>
-              </a:rPr>
-              <a:t>Create Employee entity</a:t>
-            </a:r>
-          </a:p>
-          <a:p>
-            <a:pPr marL="285750" indent="-285750" algn="just">
-              <a:lnSpc>
-                <a:spcPct val="115000"/>
-              </a:lnSpc>
-              <a:buFont typeface="Arial" panose="020B0604020202020204" pitchFamily="34" charset="0"/>
-              <a:buChar char="•"/>
-            </a:pPr>
-            <a:r>
-              <a:rPr lang="en-US" sz="2000" dirty="0">
-                <a:latin typeface="Times New Roman" panose="02020603050405020304" pitchFamily="18" charset="0"/>
-                <a:cs typeface="Times New Roman" panose="02020603050405020304" pitchFamily="18" charset="0"/>
-              </a:rPr>
-              <a:t>Create DAO layer</a:t>
-            </a:r>
-          </a:p>
-          <a:p>
-            <a:pPr marL="285750" indent="-285750" algn="just">
-              <a:lnSpc>
-                <a:spcPct val="115000"/>
-              </a:lnSpc>
-              <a:buFont typeface="Arial" panose="020B0604020202020204" pitchFamily="34" charset="0"/>
-              <a:buChar char="•"/>
-            </a:pPr>
-            <a:r>
-              <a:rPr lang="en-US" sz="2000" dirty="0">
-                <a:latin typeface="Times New Roman" panose="02020603050405020304" pitchFamily="18" charset="0"/>
-                <a:cs typeface="Times New Roman" panose="02020603050405020304" pitchFamily="18" charset="0"/>
-              </a:rPr>
-              <a:t>Create Controller layer</a:t>
-            </a:r>
-          </a:p>
-          <a:p>
-            <a:pPr marL="285750" indent="-285750" algn="just">
-              <a:lnSpc>
-                <a:spcPct val="115000"/>
-              </a:lnSpc>
-              <a:buFont typeface="Wingdings" panose="05000000000000000000" pitchFamily="2" charset="2"/>
-              <a:buChar char="q"/>
-            </a:pPr>
-            <a:r>
-              <a:rPr lang="en-US" sz="2000" b="1" dirty="0">
-                <a:latin typeface="Times New Roman" panose="02020603050405020304" pitchFamily="18" charset="0"/>
-                <a:cs typeface="Times New Roman" panose="02020603050405020304" pitchFamily="18" charset="0"/>
-              </a:rPr>
-              <a:t>Add encryption and decryption functionality</a:t>
-            </a:r>
-          </a:p>
-          <a:p>
-            <a:pPr marL="285750" indent="-285750" algn="just">
-              <a:lnSpc>
-                <a:spcPct val="115000"/>
-              </a:lnSpc>
-              <a:buFont typeface="Wingdings" panose="05000000000000000000" pitchFamily="2" charset="2"/>
-              <a:buChar char="q"/>
-            </a:pPr>
-            <a:r>
-              <a:rPr lang="en-US" sz="2000" b="1" dirty="0">
-                <a:latin typeface="Times New Roman" panose="02020603050405020304" pitchFamily="18" charset="0"/>
-                <a:cs typeface="Times New Roman" panose="02020603050405020304" pitchFamily="18" charset="0"/>
-              </a:rPr>
-              <a:t>Add logging functionality</a:t>
-            </a:r>
-          </a:p>
-          <a:p>
-            <a:pPr marL="285750" indent="-285750" algn="just">
-              <a:lnSpc>
-                <a:spcPct val="115000"/>
-              </a:lnSpc>
-              <a:buFont typeface="Wingdings" panose="05000000000000000000" pitchFamily="2" charset="2"/>
-              <a:buChar char="q"/>
-            </a:pPr>
-            <a:r>
-              <a:rPr lang="en-US" sz="2000" b="1" dirty="0">
-                <a:latin typeface="Times New Roman" panose="02020603050405020304" pitchFamily="18" charset="0"/>
-                <a:cs typeface="Times New Roman" panose="02020603050405020304" pitchFamily="18" charset="0"/>
-              </a:rPr>
-              <a:t>Secure the web service</a:t>
-            </a:r>
-          </a:p>
-          <a:p>
-            <a:pPr marL="285750" indent="-285750" algn="just">
-              <a:lnSpc>
-                <a:spcPct val="115000"/>
-              </a:lnSpc>
-              <a:buFont typeface="Wingdings" panose="05000000000000000000" pitchFamily="2" charset="2"/>
-              <a:buChar char="q"/>
-            </a:pPr>
-            <a:r>
-              <a:rPr lang="en-US" sz="2000" b="1" dirty="0">
-                <a:latin typeface="Times New Roman" panose="02020603050405020304" pitchFamily="18" charset="0"/>
-                <a:cs typeface="Times New Roman" panose="02020603050405020304" pitchFamily="18" charset="0"/>
-              </a:rPr>
-              <a:t>Run the web service</a:t>
-            </a:r>
-            <a:endParaRPr lang="en-US" sz="2000" dirty="0">
-              <a:latin typeface="Times New Roman" panose="02020603050405020304" pitchFamily="18" charset="0"/>
-              <a:cs typeface="Times New Roman" panose="02020603050405020304" pitchFamily="18" charset="0"/>
-            </a:endParaRPr>
-          </a:p>
-          <a:p>
-            <a:pPr algn="just">
-              <a:lnSpc>
-                <a:spcPct val="115000"/>
-              </a:lnSpc>
-            </a:pPr>
-            <a:endParaRPr lang="en-US" dirty="0">
-              <a:latin typeface="Times New Roman" panose="02020603050405020304" pitchFamily="18" charset="0"/>
-              <a:cs typeface="Times New Roman" panose="02020603050405020304" pitchFamily="18" charset="0"/>
-            </a:endParaRPr>
-          </a:p>
-          <a:p>
-            <a:pPr algn="just">
-              <a:lnSpc>
-                <a:spcPct val="115000"/>
-              </a:lnSpc>
-            </a:pPr>
-            <a:endParaRPr lang="en-US" dirty="0">
-              <a:latin typeface="Times New Roman" panose="02020603050405020304" pitchFamily="18" charset="0"/>
-              <a:cs typeface="Times New Roman" panose="02020603050405020304" pitchFamily="18" charset="0"/>
-            </a:endParaRPr>
-          </a:p>
-          <a:p>
-            <a:pPr algn="just">
-              <a:lnSpc>
-                <a:spcPct val="115000"/>
-              </a:lnSpc>
-            </a:pPr>
-            <a:r>
-              <a:rPr lang="en-IN" sz="1800" dirty="0">
+            <a:pPr algn="just">
+              <a:lnSpc>
+                <a:spcPct val="115000"/>
+              </a:lnSpc>
+            </a:pPr>
+            <a:r>
+              <a:rPr lang="en-IN" b="1" dirty="0">
                 <a:effectLst/>
                 <a:latin typeface="Times New Roman" panose="02020603050405020304" pitchFamily="18" charset="0"/>
                 <a:ea typeface="Arial" panose="020B0604020202020204" pitchFamily="34" charset="0"/>
+                <a:cs typeface="Times New Roman" panose="02020603050405020304" pitchFamily="18" charset="0"/>
               </a:rPr>
-              <a:t>.</a:t>
-            </a:r>
+              <a:t>Testing for Employee-Management using Https using Encryption</a:t>
+            </a:r>
+          </a:p>
+          <a:p>
+            <a:pPr algn="just">
+              <a:lnSpc>
+                <a:spcPct val="115000"/>
+              </a:lnSpc>
+            </a:pPr>
+            <a:endParaRPr lang="en-IN" b="1" dirty="0">
+              <a:effectLst/>
+              <a:latin typeface="Times New Roman" panose="02020603050405020304" pitchFamily="18" charset="0"/>
+              <a:ea typeface="Arial" panose="020B0604020202020204" pitchFamily="34" charset="0"/>
+              <a:cs typeface="Times New Roman" panose="02020603050405020304" pitchFamily="18" charset="0"/>
+            </a:endParaRPr>
+          </a:p>
+          <a:p>
+            <a:pPr algn="just">
+              <a:lnSpc>
+                <a:spcPct val="115000"/>
+              </a:lnSpc>
+            </a:pPr>
+            <a:endParaRPr lang="en-IN" b="1" dirty="0">
+              <a:latin typeface="Times New Roman" panose="02020603050405020304" pitchFamily="18" charset="0"/>
+              <a:ea typeface="Arial" panose="020B0604020202020204" pitchFamily="34" charset="0"/>
+              <a:cs typeface="Times New Roman" panose="02020603050405020304" pitchFamily="18" charset="0"/>
+            </a:endParaRPr>
+          </a:p>
+          <a:p>
+            <a:pPr algn="just">
+              <a:lnSpc>
+                <a:spcPct val="115000"/>
+              </a:lnSpc>
+            </a:pPr>
             <a:endParaRPr lang="en-IN" sz="1400" dirty="0">
               <a:effectLst/>
               <a:latin typeface="Arial" panose="020B0604020202020204" pitchFamily="34" charset="0"/>
               <a:ea typeface="Arial" panose="020B0604020202020204" pitchFamily="34" charset="0"/>
             </a:endParaRPr>
           </a:p>
+          <a:p>
+            <a:pPr algn="just">
+              <a:lnSpc>
+                <a:spcPct val="115000"/>
+              </a:lnSpc>
+            </a:pPr>
+            <a:endParaRPr lang="en-IN" sz="1400" dirty="0">
+              <a:latin typeface="Arial" panose="020B0604020202020204" pitchFamily="34" charset="0"/>
+              <a:ea typeface="Arial" panose="020B0604020202020204" pitchFamily="34" charset="0"/>
+            </a:endParaRPr>
+          </a:p>
+          <a:p>
+            <a:pPr algn="just">
+              <a:lnSpc>
+                <a:spcPct val="115000"/>
+              </a:lnSpc>
+            </a:pPr>
+            <a:endParaRPr lang="en-IN" sz="1400" dirty="0">
+              <a:effectLst/>
+              <a:latin typeface="Arial" panose="020B0604020202020204" pitchFamily="34" charset="0"/>
+              <a:ea typeface="Arial" panose="020B0604020202020204" pitchFamily="34" charset="0"/>
+            </a:endParaRPr>
+          </a:p>
+          <a:p>
+            <a:pPr algn="just">
+              <a:lnSpc>
+                <a:spcPct val="115000"/>
+              </a:lnSpc>
+            </a:pPr>
+            <a:endParaRPr lang="en-IN" sz="1400" dirty="0">
+              <a:latin typeface="Arial" panose="020B0604020202020204" pitchFamily="34" charset="0"/>
+              <a:ea typeface="Arial" panose="020B0604020202020204" pitchFamily="34" charset="0"/>
+            </a:endParaRPr>
+          </a:p>
+          <a:p>
+            <a:pPr algn="just">
+              <a:lnSpc>
+                <a:spcPct val="115000"/>
+              </a:lnSpc>
+            </a:pPr>
+            <a:endParaRPr lang="en-IN" sz="1400" dirty="0">
+              <a:effectLst/>
+              <a:latin typeface="Arial" panose="020B0604020202020204" pitchFamily="34" charset="0"/>
+              <a:ea typeface="Arial" panose="020B0604020202020204" pitchFamily="34" charset="0"/>
+            </a:endParaRPr>
+          </a:p>
+          <a:p>
+            <a:pPr algn="just">
+              <a:lnSpc>
+                <a:spcPct val="115000"/>
+              </a:lnSpc>
+            </a:pPr>
+            <a:endParaRPr lang="en-IN" sz="1400" dirty="0">
+              <a:effectLst/>
+              <a:latin typeface="Arial" panose="020B0604020202020204" pitchFamily="34" charset="0"/>
+              <a:ea typeface="Arial" panose="020B0604020202020204" pitchFamily="34" charset="0"/>
+            </a:endParaRPr>
+          </a:p>
         </p:txBody>
       </p:sp>
+      <p:pic>
+        <p:nvPicPr>
+          <p:cNvPr id="3" name="Picture 2">
+            <a:extLst>
+              <a:ext uri="{FF2B5EF4-FFF2-40B4-BE49-F238E27FC236}">
+                <a16:creationId xmlns:a16="http://schemas.microsoft.com/office/drawing/2014/main" id="{44F959C5-39D4-4C84-A0EF-EE022A1877C4}"/>
+              </a:ext>
+            </a:extLst>
+          </p:cNvPr>
+          <p:cNvPicPr>
+            <a:picLocks noChangeAspect="1"/>
+          </p:cNvPicPr>
+          <p:nvPr/>
+        </p:nvPicPr>
+        <p:blipFill>
+          <a:blip r:embed="rId4">
+            <a:extLst>
+              <a:ext uri="{28A0092B-C50C-407E-A947-70E740481C1C}">
+                <a14:useLocalDpi xmlns:a14="http://schemas.microsoft.com/office/drawing/2010/main" val="0"/>
+              </a:ext>
+            </a:extLst>
+          </a:blip>
+          <a:stretch>
+            <a:fillRect/>
+          </a:stretch>
+        </p:blipFill>
+        <p:spPr>
+          <a:xfrm>
+            <a:off x="667497" y="2050966"/>
+            <a:ext cx="8924738" cy="4548692"/>
+          </a:xfrm>
+          <a:prstGeom prst="rect">
+            <a:avLst/>
+          </a:prstGeom>
+        </p:spPr>
+      </p:pic>
     </p:spTree>
     <p:extLst>
       <p:ext uri="{BB962C8B-B14F-4D97-AF65-F5344CB8AC3E}">
-        <p14:creationId xmlns:p14="http://schemas.microsoft.com/office/powerpoint/2010/main" val="41928864"/>
+        <p14:creationId xmlns:p14="http://schemas.microsoft.com/office/powerpoint/2010/main" val="3984528251"/>
       </p:ext>
     </p:extLst>
   </p:cSld>
@@ -9600,8 +9246,8 @@
         </p:nvSpPr>
         <p:spPr>
           <a:xfrm>
-            <a:off x="490219" y="1349647"/>
-            <a:ext cx="8617921" cy="2513445"/>
+            <a:off x="490220" y="1349647"/>
+            <a:ext cx="8277262" cy="2194896"/>
           </a:xfrm>
           <a:prstGeom prst="rect">
             <a:avLst/>
@@ -9626,21 +9272,8 @@
                 <a:ea typeface="Arial" panose="020B0604020202020204" pitchFamily="34" charset="0"/>
                 <a:cs typeface="Times New Roman" panose="02020603050405020304" pitchFamily="18" charset="0"/>
               </a:rPr>
-              <a:t>Testing for Employee-Management using Https using Encryption</a:t>
-            </a:r>
-          </a:p>
-          <a:p>
-            <a:pPr algn="just">
-              <a:lnSpc>
-                <a:spcPct val="115000"/>
-              </a:lnSpc>
-            </a:pPr>
-            <a:endParaRPr lang="en-IN" b="1" dirty="0">
-              <a:effectLst/>
-              <a:latin typeface="Times New Roman" panose="02020603050405020304" pitchFamily="18" charset="0"/>
-              <a:ea typeface="Arial" panose="020B0604020202020204" pitchFamily="34" charset="0"/>
-              <a:cs typeface="Times New Roman" panose="02020603050405020304" pitchFamily="18" charset="0"/>
-            </a:endParaRPr>
+              <a:t>Testing for Client Employee-Management using Http using Decryption</a:t>
+            </a:r>
           </a:p>
           <a:p>
             <a:pPr algn="just">
@@ -9728,10 +9361,10 @@
       </p:sp>
       <p:pic>
         <p:nvPicPr>
-          <p:cNvPr id="3" name="Picture 2">
-            <a:extLst>
-              <a:ext uri="{FF2B5EF4-FFF2-40B4-BE49-F238E27FC236}">
-                <a16:creationId xmlns:a16="http://schemas.microsoft.com/office/drawing/2014/main" id="{44F959C5-39D4-4C84-A0EF-EE022A1877C4}"/>
+          <p:cNvPr id="9" name="Picture 8">
+            <a:extLst>
+              <a:ext uri="{FF2B5EF4-FFF2-40B4-BE49-F238E27FC236}">
+                <a16:creationId xmlns:a16="http://schemas.microsoft.com/office/drawing/2014/main" id="{3D1FE4A1-69FD-4069-A48C-8B744D451795}"/>
               </a:ext>
             </a:extLst>
           </p:cNvPr>
@@ -9754,8 +9387,8 @@
         </p:blipFill>
         <p:spPr>
           <a:xfrm>
-            <a:off x="667497" y="2050966"/>
-            <a:ext cx="8924738" cy="4548692"/>
+            <a:off x="555387" y="1866750"/>
+            <a:ext cx="9431296" cy="4849906"/>
           </a:xfrm>
           <a:prstGeom prst="rect">
             <a:avLst/>
@@ -9765,7 +9398,7 @@
     </p:spTree>
     <p:extLst>
       <p:ext uri="{BB962C8B-B14F-4D97-AF65-F5344CB8AC3E}">
-        <p14:creationId xmlns:p14="http://schemas.microsoft.com/office/powerpoint/2010/main" val="3984528251"/>
+        <p14:creationId xmlns:p14="http://schemas.microsoft.com/office/powerpoint/2010/main" val="1326255623"/>
       </p:ext>
     </p:extLst>
   </p:cSld>
@@ -9970,7 +9603,7 @@
         <p:spPr>
           <a:xfrm>
             <a:off x="490220" y="1349647"/>
-            <a:ext cx="8277262" cy="2194896"/>
+            <a:ext cx="8277262" cy="5061835"/>
           </a:xfrm>
           <a:prstGeom prst="rect">
             <a:avLst/>
@@ -9995,8 +9628,121 @@
                 <a:ea typeface="Arial" panose="020B0604020202020204" pitchFamily="34" charset="0"/>
                 <a:cs typeface="Times New Roman" panose="02020603050405020304" pitchFamily="18" charset="0"/>
               </a:rPr>
-              <a:t>Testing for Client Employee-Management using Http using Decryption</a:t>
-            </a:r>
+              <a:t>Executing using CURL Command</a:t>
+            </a:r>
+          </a:p>
+          <a:p>
+            <a:pPr algn="just">
+              <a:lnSpc>
+                <a:spcPct val="115000"/>
+              </a:lnSpc>
+            </a:pPr>
+            <a:endParaRPr lang="en-IN" b="1" dirty="0">
+              <a:latin typeface="Times New Roman" panose="02020603050405020304" pitchFamily="18" charset="0"/>
+              <a:ea typeface="Arial" panose="020B0604020202020204" pitchFamily="34" charset="0"/>
+              <a:cs typeface="Times New Roman" panose="02020603050405020304" pitchFamily="18" charset="0"/>
+            </a:endParaRPr>
+          </a:p>
+          <a:p>
+            <a:pPr algn="just">
+              <a:lnSpc>
+                <a:spcPct val="115000"/>
+              </a:lnSpc>
+            </a:pPr>
+            <a:endParaRPr lang="en-IN" b="1" dirty="0">
+              <a:effectLst/>
+              <a:latin typeface="Times New Roman" panose="02020603050405020304" pitchFamily="18" charset="0"/>
+              <a:ea typeface="Arial" panose="020B0604020202020204" pitchFamily="34" charset="0"/>
+              <a:cs typeface="Times New Roman" panose="02020603050405020304" pitchFamily="18" charset="0"/>
+            </a:endParaRPr>
+          </a:p>
+          <a:p>
+            <a:pPr algn="just">
+              <a:lnSpc>
+                <a:spcPct val="115000"/>
+              </a:lnSpc>
+            </a:pPr>
+            <a:endParaRPr lang="en-IN" b="1" dirty="0">
+              <a:latin typeface="Times New Roman" panose="02020603050405020304" pitchFamily="18" charset="0"/>
+              <a:ea typeface="Arial" panose="020B0604020202020204" pitchFamily="34" charset="0"/>
+              <a:cs typeface="Times New Roman" panose="02020603050405020304" pitchFamily="18" charset="0"/>
+            </a:endParaRPr>
+          </a:p>
+          <a:p>
+            <a:pPr algn="just">
+              <a:lnSpc>
+                <a:spcPct val="115000"/>
+              </a:lnSpc>
+            </a:pPr>
+            <a:endParaRPr lang="en-IN" b="1" dirty="0">
+              <a:effectLst/>
+              <a:latin typeface="Times New Roman" panose="02020603050405020304" pitchFamily="18" charset="0"/>
+              <a:ea typeface="Arial" panose="020B0604020202020204" pitchFamily="34" charset="0"/>
+              <a:cs typeface="Times New Roman" panose="02020603050405020304" pitchFamily="18" charset="0"/>
+            </a:endParaRPr>
+          </a:p>
+          <a:p>
+            <a:pPr algn="just">
+              <a:lnSpc>
+                <a:spcPct val="115000"/>
+              </a:lnSpc>
+            </a:pPr>
+            <a:endParaRPr lang="en-IN" b="1" dirty="0">
+              <a:latin typeface="Times New Roman" panose="02020603050405020304" pitchFamily="18" charset="0"/>
+              <a:ea typeface="Arial" panose="020B0604020202020204" pitchFamily="34" charset="0"/>
+              <a:cs typeface="Times New Roman" panose="02020603050405020304" pitchFamily="18" charset="0"/>
+            </a:endParaRPr>
+          </a:p>
+          <a:p>
+            <a:pPr algn="just">
+              <a:lnSpc>
+                <a:spcPct val="115000"/>
+              </a:lnSpc>
+            </a:pPr>
+            <a:endParaRPr lang="en-IN" b="1" dirty="0">
+              <a:effectLst/>
+              <a:latin typeface="Times New Roman" panose="02020603050405020304" pitchFamily="18" charset="0"/>
+              <a:ea typeface="Arial" panose="020B0604020202020204" pitchFamily="34" charset="0"/>
+              <a:cs typeface="Times New Roman" panose="02020603050405020304" pitchFamily="18" charset="0"/>
+            </a:endParaRPr>
+          </a:p>
+          <a:p>
+            <a:pPr algn="just">
+              <a:lnSpc>
+                <a:spcPct val="115000"/>
+              </a:lnSpc>
+            </a:pPr>
+            <a:endParaRPr lang="en-IN" b="1" dirty="0">
+              <a:latin typeface="Times New Roman" panose="02020603050405020304" pitchFamily="18" charset="0"/>
+              <a:ea typeface="Arial" panose="020B0604020202020204" pitchFamily="34" charset="0"/>
+              <a:cs typeface="Times New Roman" panose="02020603050405020304" pitchFamily="18" charset="0"/>
+            </a:endParaRPr>
+          </a:p>
+          <a:p>
+            <a:pPr algn="just">
+              <a:lnSpc>
+                <a:spcPct val="115000"/>
+              </a:lnSpc>
+            </a:pPr>
+            <a:endParaRPr lang="en-IN" b="1" dirty="0">
+              <a:effectLst/>
+              <a:latin typeface="Times New Roman" panose="02020603050405020304" pitchFamily="18" charset="0"/>
+              <a:ea typeface="Arial" panose="020B0604020202020204" pitchFamily="34" charset="0"/>
+              <a:cs typeface="Times New Roman" panose="02020603050405020304" pitchFamily="18" charset="0"/>
+            </a:endParaRPr>
+          </a:p>
+          <a:p>
+            <a:pPr algn="just">
+              <a:lnSpc>
+                <a:spcPct val="115000"/>
+              </a:lnSpc>
+            </a:pPr>
+            <a:endParaRPr lang="en-IN" b="1" dirty="0">
+              <a:effectLst/>
+              <a:latin typeface="Times New Roman" panose="02020603050405020304" pitchFamily="18" charset="0"/>
+              <a:ea typeface="Arial" panose="020B0604020202020204" pitchFamily="34" charset="0"/>
+              <a:cs typeface="Times New Roman" panose="02020603050405020304" pitchFamily="18" charset="0"/>
+            </a:endParaRPr>
           </a:p>
           <a:p>
             <a:pPr algn="just">
@@ -10084,10 +9830,10 @@
       </p:sp>
       <p:pic>
         <p:nvPicPr>
-          <p:cNvPr id="9" name="Picture 8">
-            <a:extLst>
-              <a:ext uri="{FF2B5EF4-FFF2-40B4-BE49-F238E27FC236}">
-                <a16:creationId xmlns:a16="http://schemas.microsoft.com/office/drawing/2014/main" id="{3D1FE4A1-69FD-4069-A48C-8B744D451795}"/>
+          <p:cNvPr id="3" name="Picture 2">
+            <a:extLst>
+              <a:ext uri="{FF2B5EF4-FFF2-40B4-BE49-F238E27FC236}">
+                <a16:creationId xmlns:a16="http://schemas.microsoft.com/office/drawing/2014/main" id="{CE20E4EE-1E37-4965-826C-755526EB0A9A}"/>
               </a:ext>
             </a:extLst>
           </p:cNvPr>
@@ -10110,8 +9856,8 @@
         </p:blipFill>
         <p:spPr>
           <a:xfrm>
-            <a:off x="555387" y="1866750"/>
-            <a:ext cx="9431296" cy="4849906"/>
+            <a:off x="490220" y="1977520"/>
+            <a:ext cx="8818878" cy="4163304"/>
           </a:xfrm>
           <a:prstGeom prst="rect">
             <a:avLst/>
@@ -10121,7 +9867,7 @@
     </p:spTree>
     <p:extLst>
       <p:ext uri="{BB962C8B-B14F-4D97-AF65-F5344CB8AC3E}">
-        <p14:creationId xmlns:p14="http://schemas.microsoft.com/office/powerpoint/2010/main" val="1326255623"/>
+        <p14:creationId xmlns:p14="http://schemas.microsoft.com/office/powerpoint/2010/main" val="1638702198"/>
       </p:ext>
     </p:extLst>
   </p:cSld>

--- a/Capstone.pptx
+++ b/Capstone.pptx
@@ -18,10 +18,12 @@
     <p:sldId id="275" r:id="rId12"/>
     <p:sldId id="276" r:id="rId13"/>
     <p:sldId id="277" r:id="rId14"/>
-    <p:sldId id="267" r:id="rId15"/>
-    <p:sldId id="268" r:id="rId16"/>
-    <p:sldId id="269" r:id="rId17"/>
-    <p:sldId id="270" r:id="rId18"/>
+    <p:sldId id="278" r:id="rId15"/>
+    <p:sldId id="279" r:id="rId16"/>
+    <p:sldId id="267" r:id="rId17"/>
+    <p:sldId id="268" r:id="rId18"/>
+    <p:sldId id="269" r:id="rId19"/>
+    <p:sldId id="270" r:id="rId20"/>
   </p:sldIdLst>
   <p:sldSz cx="12192000" cy="6858000"/>
   <p:notesSz cx="6858000" cy="9144000"/>
@@ -132,19 +134,19 @@
 <pc:chgInfo xmlns:a="http://schemas.openxmlformats.org/drawingml/2006/main" xmlns:r="http://schemas.openxmlformats.org/officeDocument/2006/relationships" xmlns:ac="http://schemas.microsoft.com/office/drawing/2013/main/command" xmlns:pc="http://schemas.microsoft.com/office/powerpoint/2013/main/command">
   <pc:docChgLst>
     <pc:chgData name="Pranay Gadhave" userId="38390fccbd0cc089" providerId="LiveId" clId="{60E3A351-0ED0-40CC-AB0A-BFF1B31896ED}"/>
-    <pc:docChg chg="custSel addSld delSld modSld">
-      <pc:chgData name="Pranay Gadhave" userId="38390fccbd0cc089" providerId="LiveId" clId="{60E3A351-0ED0-40CC-AB0A-BFF1B31896ED}" dt="2023-05-02T09:29:17.902" v="83" actId="2696"/>
+    <pc:docChg chg="undo custSel addSld delSld modSld">
+      <pc:chgData name="Pranay Gadhave" userId="38390fccbd0cc089" providerId="LiveId" clId="{60E3A351-0ED0-40CC-AB0A-BFF1B31896ED}" dt="2023-05-11T12:55:50.253" v="164" actId="20577"/>
       <pc:docMkLst>
         <pc:docMk/>
       </pc:docMkLst>
       <pc:sldChg chg="modSp mod">
-        <pc:chgData name="Pranay Gadhave" userId="38390fccbd0cc089" providerId="LiveId" clId="{60E3A351-0ED0-40CC-AB0A-BFF1B31896ED}" dt="2023-05-02T09:29:02.574" v="81" actId="20577"/>
+        <pc:chgData name="Pranay Gadhave" userId="38390fccbd0cc089" providerId="LiveId" clId="{60E3A351-0ED0-40CC-AB0A-BFF1B31896ED}" dt="2023-05-11T10:03:16.445" v="84" actId="20577"/>
         <pc:sldMkLst>
           <pc:docMk/>
           <pc:sldMk cId="155810246" sldId="256"/>
         </pc:sldMkLst>
         <pc:spChg chg="mod">
-          <ac:chgData name="Pranay Gadhave" userId="38390fccbd0cc089" providerId="LiveId" clId="{60E3A351-0ED0-40CC-AB0A-BFF1B31896ED}" dt="2023-05-02T09:29:02.574" v="81" actId="20577"/>
+          <ac:chgData name="Pranay Gadhave" userId="38390fccbd0cc089" providerId="LiveId" clId="{60E3A351-0ED0-40CC-AB0A-BFF1B31896ED}" dt="2023-05-11T10:03:16.445" v="84" actId="20577"/>
           <ac:spMkLst>
             <pc:docMk/>
             <pc:sldMk cId="155810246" sldId="256"/>
@@ -153,13 +155,13 @@
         </pc:spChg>
       </pc:sldChg>
       <pc:sldChg chg="modSp mod">
-        <pc:chgData name="Pranay Gadhave" userId="38390fccbd0cc089" providerId="LiveId" clId="{60E3A351-0ED0-40CC-AB0A-BFF1B31896ED}" dt="2023-05-02T07:33:46.945" v="75" actId="20577"/>
+        <pc:chgData name="Pranay Gadhave" userId="38390fccbd0cc089" providerId="LiveId" clId="{60E3A351-0ED0-40CC-AB0A-BFF1B31896ED}" dt="2023-05-11T11:45:15.309" v="162" actId="5793"/>
         <pc:sldMkLst>
           <pc:docMk/>
           <pc:sldMk cId="2907023693" sldId="257"/>
         </pc:sldMkLst>
         <pc:spChg chg="mod">
-          <ac:chgData name="Pranay Gadhave" userId="38390fccbd0cc089" providerId="LiveId" clId="{60E3A351-0ED0-40CC-AB0A-BFF1B31896ED}" dt="2023-05-02T07:33:46.945" v="75" actId="20577"/>
+          <ac:chgData name="Pranay Gadhave" userId="38390fccbd0cc089" providerId="LiveId" clId="{60E3A351-0ED0-40CC-AB0A-BFF1B31896ED}" dt="2023-05-11T11:45:15.309" v="162" actId="5793"/>
           <ac:spMkLst>
             <pc:docMk/>
             <pc:sldMk cId="2907023693" sldId="257"/>
@@ -168,7 +170,7 @@
         </pc:spChg>
       </pc:sldChg>
       <pc:sldChg chg="addSp delSp modSp mod">
-        <pc:chgData name="Pranay Gadhave" userId="38390fccbd0cc089" providerId="LiveId" clId="{60E3A351-0ED0-40CC-AB0A-BFF1B31896ED}" dt="2023-05-02T07:32:40.826" v="45" actId="1076"/>
+        <pc:chgData name="Pranay Gadhave" userId="38390fccbd0cc089" providerId="LiveId" clId="{60E3A351-0ED0-40CC-AB0A-BFF1B31896ED}" dt="2023-05-11T11:45:01.388" v="159" actId="1076"/>
         <pc:sldMkLst>
           <pc:docMk/>
           <pc:sldMk cId="503207019" sldId="261"/>
@@ -198,11 +200,57 @@
           </ac:picMkLst>
         </pc:picChg>
         <pc:picChg chg="add mod">
-          <ac:chgData name="Pranay Gadhave" userId="38390fccbd0cc089" providerId="LiveId" clId="{60E3A351-0ED0-40CC-AB0A-BFF1B31896ED}" dt="2023-05-02T07:32:40.826" v="45" actId="1076"/>
+          <ac:chgData name="Pranay Gadhave" userId="38390fccbd0cc089" providerId="LiveId" clId="{60E3A351-0ED0-40CC-AB0A-BFF1B31896ED}" dt="2023-05-11T11:45:01.388" v="159" actId="1076"/>
           <ac:picMkLst>
             <pc:docMk/>
             <pc:sldMk cId="503207019" sldId="261"/>
             <ac:picMk id="7" creationId="{04129A75-C171-4D20-93B2-0AD9781D3583}"/>
+          </ac:picMkLst>
+        </pc:picChg>
+      </pc:sldChg>
+      <pc:sldChg chg="modSp mod">
+        <pc:chgData name="Pranay Gadhave" userId="38390fccbd0cc089" providerId="LiveId" clId="{60E3A351-0ED0-40CC-AB0A-BFF1B31896ED}" dt="2023-05-11T12:55:50.253" v="164" actId="20577"/>
+        <pc:sldMkLst>
+          <pc:docMk/>
+          <pc:sldMk cId="41928864" sldId="263"/>
+        </pc:sldMkLst>
+        <pc:spChg chg="mod">
+          <ac:chgData name="Pranay Gadhave" userId="38390fccbd0cc089" providerId="LiveId" clId="{60E3A351-0ED0-40CC-AB0A-BFF1B31896ED}" dt="2023-05-11T12:55:50.253" v="164" actId="20577"/>
+          <ac:spMkLst>
+            <pc:docMk/>
+            <pc:sldMk cId="41928864" sldId="263"/>
+            <ac:spMk id="7" creationId="{02FB6A81-F334-0D76-10FC-F69162C07E4E}"/>
+          </ac:spMkLst>
+        </pc:spChg>
+      </pc:sldChg>
+      <pc:sldChg chg="addSp delSp modSp add mod">
+        <pc:chgData name="Pranay Gadhave" userId="38390fccbd0cc089" providerId="LiveId" clId="{60E3A351-0ED0-40CC-AB0A-BFF1B31896ED}" dt="2023-05-11T11:42:10.518" v="150" actId="20577"/>
+        <pc:sldMkLst>
+          <pc:docMk/>
+          <pc:sldMk cId="1337519213" sldId="278"/>
+        </pc:sldMkLst>
+        <pc:spChg chg="mod">
+          <ac:chgData name="Pranay Gadhave" userId="38390fccbd0cc089" providerId="LiveId" clId="{60E3A351-0ED0-40CC-AB0A-BFF1B31896ED}" dt="2023-05-11T11:42:10.518" v="150" actId="20577"/>
+          <ac:spMkLst>
+            <pc:docMk/>
+            <pc:sldMk cId="1337519213" sldId="278"/>
+            <ac:spMk id="7" creationId="{7A00B694-CE8C-1B3C-6470-234A7FE34C41}"/>
+          </ac:spMkLst>
+        </pc:spChg>
+        <pc:picChg chg="del">
+          <ac:chgData name="Pranay Gadhave" userId="38390fccbd0cc089" providerId="LiveId" clId="{60E3A351-0ED0-40CC-AB0A-BFF1B31896ED}" dt="2023-05-11T11:39:11.740" v="86" actId="478"/>
+          <ac:picMkLst>
+            <pc:docMk/>
+            <pc:sldMk cId="1337519213" sldId="278"/>
+            <ac:picMk id="3" creationId="{9CF561B3-03F6-4B96-9920-CD0279554067}"/>
+          </ac:picMkLst>
+        </pc:picChg>
+        <pc:picChg chg="add mod">
+          <ac:chgData name="Pranay Gadhave" userId="38390fccbd0cc089" providerId="LiveId" clId="{60E3A351-0ED0-40CC-AB0A-BFF1B31896ED}" dt="2023-05-11T11:40:18.109" v="90" actId="1076"/>
+          <ac:picMkLst>
+            <pc:docMk/>
+            <pc:sldMk cId="1337519213" sldId="278"/>
+            <ac:picMk id="9" creationId="{9FE82F36-888E-4F38-94E9-50243509D2ED}"/>
           </ac:picMkLst>
         </pc:picChg>
       </pc:sldChg>
@@ -219,6 +267,29 @@
           <pc:docMk/>
           <pc:sldMk cId="824726357" sldId="279"/>
         </pc:sldMkLst>
+      </pc:sldChg>
+      <pc:sldChg chg="addSp delSp modSp add mod">
+        <pc:chgData name="Pranay Gadhave" userId="38390fccbd0cc089" providerId="LiveId" clId="{60E3A351-0ED0-40CC-AB0A-BFF1B31896ED}" dt="2023-05-11T11:43:06.701" v="158" actId="14100"/>
+        <pc:sldMkLst>
+          <pc:docMk/>
+          <pc:sldMk cId="1442676248" sldId="279"/>
+        </pc:sldMkLst>
+        <pc:picChg chg="add mod">
+          <ac:chgData name="Pranay Gadhave" userId="38390fccbd0cc089" providerId="LiveId" clId="{60E3A351-0ED0-40CC-AB0A-BFF1B31896ED}" dt="2023-05-11T11:43:06.701" v="158" actId="14100"/>
+          <ac:picMkLst>
+            <pc:docMk/>
+            <pc:sldMk cId="1442676248" sldId="279"/>
+            <ac:picMk id="3" creationId="{B1D40D35-CCC1-4CC3-8A38-26E68CA128EE}"/>
+          </ac:picMkLst>
+        </pc:picChg>
+        <pc:picChg chg="del">
+          <ac:chgData name="Pranay Gadhave" userId="38390fccbd0cc089" providerId="LiveId" clId="{60E3A351-0ED0-40CC-AB0A-BFF1B31896ED}" dt="2023-05-11T11:42:41.022" v="152" actId="478"/>
+          <ac:picMkLst>
+            <pc:docMk/>
+            <pc:sldMk cId="1442676248" sldId="279"/>
+            <ac:picMk id="9" creationId="{9FE82F36-888E-4F38-94E9-50243509D2ED}"/>
+          </ac:picMkLst>
+        </pc:picChg>
       </pc:sldChg>
     </pc:docChg>
   </pc:docChgLst>
@@ -374,7 +445,7 @@
           <a:p>
             <a:fld id="{6D3052E0-193B-4471-BAD0-B156ECCE0645}" type="datetimeFigureOut">
               <a:rPr lang="en-IN" smtClean="0"/>
-              <a:t>02-05-2023</a:t>
+              <a:t>11-05-2023</a:t>
             </a:fld>
             <a:endParaRPr lang="en-IN"/>
           </a:p>
@@ -574,7 +645,7 @@
           <a:p>
             <a:fld id="{6D3052E0-193B-4471-BAD0-B156ECCE0645}" type="datetimeFigureOut">
               <a:rPr lang="en-IN" smtClean="0"/>
-              <a:t>02-05-2023</a:t>
+              <a:t>11-05-2023</a:t>
             </a:fld>
             <a:endParaRPr lang="en-IN"/>
           </a:p>
@@ -784,7 +855,7 @@
           <a:p>
             <a:fld id="{6D3052E0-193B-4471-BAD0-B156ECCE0645}" type="datetimeFigureOut">
               <a:rPr lang="en-IN" smtClean="0"/>
-              <a:t>02-05-2023</a:t>
+              <a:t>11-05-2023</a:t>
             </a:fld>
             <a:endParaRPr lang="en-IN"/>
           </a:p>
@@ -984,7 +1055,7 @@
           <a:p>
             <a:fld id="{6D3052E0-193B-4471-BAD0-B156ECCE0645}" type="datetimeFigureOut">
               <a:rPr lang="en-IN" smtClean="0"/>
-              <a:t>02-05-2023</a:t>
+              <a:t>11-05-2023</a:t>
             </a:fld>
             <a:endParaRPr lang="en-IN"/>
           </a:p>
@@ -1260,7 +1331,7 @@
           <a:p>
             <a:fld id="{6D3052E0-193B-4471-BAD0-B156ECCE0645}" type="datetimeFigureOut">
               <a:rPr lang="en-IN" smtClean="0"/>
-              <a:t>02-05-2023</a:t>
+              <a:t>11-05-2023</a:t>
             </a:fld>
             <a:endParaRPr lang="en-IN"/>
           </a:p>
@@ -1528,7 +1599,7 @@
           <a:p>
             <a:fld id="{6D3052E0-193B-4471-BAD0-B156ECCE0645}" type="datetimeFigureOut">
               <a:rPr lang="en-IN" smtClean="0"/>
-              <a:t>02-05-2023</a:t>
+              <a:t>11-05-2023</a:t>
             </a:fld>
             <a:endParaRPr lang="en-IN"/>
           </a:p>
@@ -1943,7 +2014,7 @@
           <a:p>
             <a:fld id="{6D3052E0-193B-4471-BAD0-B156ECCE0645}" type="datetimeFigureOut">
               <a:rPr lang="en-IN" smtClean="0"/>
-              <a:t>02-05-2023</a:t>
+              <a:t>11-05-2023</a:t>
             </a:fld>
             <a:endParaRPr lang="en-IN"/>
           </a:p>
@@ -2085,7 +2156,7 @@
           <a:p>
             <a:fld id="{6D3052E0-193B-4471-BAD0-B156ECCE0645}" type="datetimeFigureOut">
               <a:rPr lang="en-IN" smtClean="0"/>
-              <a:t>02-05-2023</a:t>
+              <a:t>11-05-2023</a:t>
             </a:fld>
             <a:endParaRPr lang="en-IN"/>
           </a:p>
@@ -2198,7 +2269,7 @@
           <a:p>
             <a:fld id="{6D3052E0-193B-4471-BAD0-B156ECCE0645}" type="datetimeFigureOut">
               <a:rPr lang="en-IN" smtClean="0"/>
-              <a:t>02-05-2023</a:t>
+              <a:t>11-05-2023</a:t>
             </a:fld>
             <a:endParaRPr lang="en-IN"/>
           </a:p>
@@ -2511,7 +2582,7 @@
           <a:p>
             <a:fld id="{6D3052E0-193B-4471-BAD0-B156ECCE0645}" type="datetimeFigureOut">
               <a:rPr lang="en-IN" smtClean="0"/>
-              <a:t>02-05-2023</a:t>
+              <a:t>11-05-2023</a:t>
             </a:fld>
             <a:endParaRPr lang="en-IN"/>
           </a:p>
@@ -2804,7 +2875,7 @@
           <a:p>
             <a:fld id="{6D3052E0-193B-4471-BAD0-B156ECCE0645}" type="datetimeFigureOut">
               <a:rPr lang="en-IN" smtClean="0"/>
-              <a:t>02-05-2023</a:t>
+              <a:t>11-05-2023</a:t>
             </a:fld>
             <a:endParaRPr lang="en-IN"/>
           </a:p>
@@ -3047,7 +3118,7 @@
           <a:p>
             <a:fld id="{6D3052E0-193B-4471-BAD0-B156ECCE0645}" type="datetimeFigureOut">
               <a:rPr lang="en-IN" smtClean="0"/>
-              <a:t>02-05-2023</a:t>
+              <a:t>11-05-2023</a:t>
             </a:fld>
             <a:endParaRPr lang="en-IN"/>
           </a:p>
@@ -3635,7 +3706,7 @@
         <p:spPr>
           <a:xfrm>
             <a:off x="833120" y="4111045"/>
-            <a:ext cx="6197600" cy="1977786"/>
+            <a:ext cx="6197600" cy="1659237"/>
           </a:xfrm>
           <a:prstGeom prst="rect">
             <a:avLst/>
@@ -3687,34 +3758,6 @@
               </a:rPr>
               <a:t>Submission type : Individual</a:t>
             </a:r>
-          </a:p>
-          <a:p>
-            <a:pPr>
-              <a:lnSpc>
-                <a:spcPct val="115000"/>
-              </a:lnSpc>
-            </a:pPr>
-            <a:r>
-              <a:rPr lang="en-IN" sz="1800" b="1" dirty="0">
-                <a:effectLst/>
-                <a:latin typeface="Times New Roman" panose="02020603050405020304" pitchFamily="18" charset="0"/>
-                <a:ea typeface="Arial" panose="020B0604020202020204" pitchFamily="34" charset="0"/>
-              </a:rPr>
-              <a:t>Name: Pranay </a:t>
-            </a:r>
-            <a:r>
-              <a:rPr lang="en-IN" sz="1800" b="1" dirty="0" err="1">
-                <a:effectLst/>
-                <a:latin typeface="Times New Roman" panose="02020603050405020304" pitchFamily="18" charset="0"/>
-                <a:ea typeface="Arial" panose="020B0604020202020204" pitchFamily="34" charset="0"/>
-              </a:rPr>
-              <a:t>Gadhave</a:t>
-            </a:r>
-            <a:endParaRPr lang="en-IN" sz="1050" dirty="0">
-              <a:effectLst/>
-              <a:latin typeface="Arial" panose="020B0604020202020204" pitchFamily="34" charset="0"/>
-              <a:ea typeface="Arial" panose="020B0604020202020204" pitchFamily="34" charset="0"/>
-            </a:endParaRPr>
           </a:p>
           <a:p>
             <a:pPr>
@@ -5697,7 +5740,7 @@
         </p:blipFill>
         <p:spPr>
           <a:xfrm flipH="1">
-            <a:off x="0" y="0"/>
+            <a:off x="0" y="-20320"/>
             <a:ext cx="12192000" cy="6858000"/>
           </a:xfrm>
           <a:prstGeom prst="rect">
@@ -5827,7 +5870,7 @@
                 </a:solidFill>
                 <a:latin typeface="Times New Roman" panose="02020603050405020304" pitchFamily="18" charset="0"/>
               </a:rPr>
-              <a:t>Conclusion</a:t>
+              <a:t>Deployment</a:t>
             </a:r>
           </a:p>
         </p:txBody>
@@ -5837,7 +5880,7 @@
           <p:cNvPr id="7" name="TextBox 6">
             <a:extLst>
               <a:ext uri="{FF2B5EF4-FFF2-40B4-BE49-F238E27FC236}">
-                <a16:creationId xmlns:a16="http://schemas.microsoft.com/office/drawing/2014/main" id="{B4E07FE1-E878-E386-9DF4-34E931415690}"/>
+                <a16:creationId xmlns:a16="http://schemas.microsoft.com/office/drawing/2014/main" id="{7A00B694-CE8C-1B3C-6470-234A7FE34C41}"/>
               </a:ext>
             </a:extLst>
           </p:cNvPr>
@@ -5846,8 +5889,8 @@
         </p:nvSpPr>
         <p:spPr>
           <a:xfrm>
-            <a:off x="490219" y="1349647"/>
-            <a:ext cx="10828013" cy="4858894"/>
+            <a:off x="490220" y="1349647"/>
+            <a:ext cx="8277262" cy="4743286"/>
           </a:xfrm>
           <a:prstGeom prst="rect">
             <a:avLst/>
@@ -5865,96 +5908,246 @@
                 <a:spcPct val="115000"/>
               </a:lnSpc>
             </a:pPr>
-            <a:endParaRPr lang="en-IN" dirty="0">
+            <a:r>
+              <a:rPr lang="en-IN" b="1" dirty="0">
+                <a:latin typeface="Times New Roman" panose="02020603050405020304" pitchFamily="18" charset="0"/>
+                <a:ea typeface="Arial" panose="020B0604020202020204" pitchFamily="34" charset="0"/>
+                <a:cs typeface="Times New Roman" panose="02020603050405020304" pitchFamily="18" charset="0"/>
+              </a:rPr>
+              <a:t>Deploying Docker image on Kubernetes</a:t>
+            </a:r>
+            <a:endParaRPr lang="en-IN" b="1" dirty="0">
+              <a:effectLst/>
               <a:latin typeface="Times New Roman" panose="02020603050405020304" pitchFamily="18" charset="0"/>
               <a:ea typeface="Arial" panose="020B0604020202020204" pitchFamily="34" charset="0"/>
-            </a:endParaRPr>
-          </a:p>
-          <a:p>
-            <a:pPr marL="285750" indent="-285750" algn="just">
-              <a:lnSpc>
-                <a:spcPct val="150000"/>
-              </a:lnSpc>
-              <a:buFont typeface="Wingdings" panose="05000000000000000000" pitchFamily="2" charset="2"/>
-              <a:buChar char="q"/>
-            </a:pPr>
-            <a:r>
-              <a:rPr lang="en-US" dirty="0">
-                <a:latin typeface="Times New Roman" panose="02020603050405020304" pitchFamily="18" charset="0"/>
-              </a:rPr>
-              <a:t>Every business needs EMS because of its capacity to lower stress and pressure while fostering relationships between managers and employees. It produces a setting that might promote dialogue. This makes sure that management and staff cooperate to achieve the company's objectives.</a:t>
-            </a:r>
-          </a:p>
-          <a:p>
-            <a:pPr marL="285750" indent="-285750" algn="just">
-              <a:lnSpc>
-                <a:spcPct val="150000"/>
-              </a:lnSpc>
-              <a:buFont typeface="Wingdings" panose="05000000000000000000" pitchFamily="2" charset="2"/>
-              <a:buChar char="q"/>
-            </a:pPr>
-            <a:endParaRPr lang="en-US" dirty="0">
+              <a:cs typeface="Times New Roman" panose="02020603050405020304" pitchFamily="18" charset="0"/>
+            </a:endParaRPr>
+          </a:p>
+          <a:p>
+            <a:pPr algn="just">
+              <a:lnSpc>
+                <a:spcPct val="115000"/>
+              </a:lnSpc>
+            </a:pPr>
+            <a:endParaRPr lang="en-IN" b="1" dirty="0">
+              <a:effectLst/>
               <a:latin typeface="Times New Roman" panose="02020603050405020304" pitchFamily="18" charset="0"/>
-            </a:endParaRPr>
-          </a:p>
-          <a:p>
-            <a:pPr marL="285750" indent="-285750" algn="just">
-              <a:lnSpc>
-                <a:spcPct val="150000"/>
-              </a:lnSpc>
-              <a:buFont typeface="Wingdings" panose="05000000000000000000" pitchFamily="2" charset="2"/>
-              <a:buChar char="q"/>
-            </a:pPr>
-            <a:r>
-              <a:rPr lang="en-US" dirty="0">
-                <a:latin typeface="Times New Roman" panose="02020603050405020304" pitchFamily="18" charset="0"/>
-              </a:rPr>
-              <a:t>This can help in reducing the paperwork. Using an EMS, the HR department can streamline processes and contribute to society.</a:t>
-            </a:r>
-          </a:p>
-          <a:p>
-            <a:pPr marL="285750" indent="-285750" algn="just">
-              <a:lnSpc>
-                <a:spcPct val="150000"/>
-              </a:lnSpc>
-              <a:buFont typeface="Wingdings" panose="05000000000000000000" pitchFamily="2" charset="2"/>
-              <a:buChar char="q"/>
-            </a:pPr>
-            <a:endParaRPr lang="en-US" dirty="0">
+              <a:ea typeface="Arial" panose="020B0604020202020204" pitchFamily="34" charset="0"/>
+              <a:cs typeface="Times New Roman" panose="02020603050405020304" pitchFamily="18" charset="0"/>
+            </a:endParaRPr>
+          </a:p>
+          <a:p>
+            <a:pPr algn="just">
+              <a:lnSpc>
+                <a:spcPct val="115000"/>
+              </a:lnSpc>
+            </a:pPr>
+            <a:endParaRPr lang="en-IN" b="1" dirty="0">
               <a:latin typeface="Times New Roman" panose="02020603050405020304" pitchFamily="18" charset="0"/>
-            </a:endParaRPr>
-          </a:p>
-          <a:p>
-            <a:pPr marL="285750" indent="-285750" algn="just">
-              <a:lnSpc>
-                <a:spcPct val="150000"/>
-              </a:lnSpc>
-              <a:buFont typeface="Wingdings" panose="05000000000000000000" pitchFamily="2" charset="2"/>
-              <a:buChar char="q"/>
-            </a:pPr>
-            <a:r>
-              <a:rPr lang="en-US" dirty="0">
-                <a:latin typeface="Times New Roman" panose="02020603050405020304" pitchFamily="18" charset="0"/>
-              </a:rPr>
-              <a:t>This project can help in improving your data security methods. As an organization saves employee information like bank details, addresses, telephone numbers and personal identification details, providing better data security is essential. EMS offers security and data encryption measures that guarantee data security.</a:t>
-            </a:r>
-          </a:p>
-          <a:p>
-            <a:pPr algn="just">
-              <a:lnSpc>
-                <a:spcPct val="115000"/>
-              </a:lnSpc>
-            </a:pPr>
-            <a:endParaRPr lang="en-IN" dirty="0">
+              <a:ea typeface="Arial" panose="020B0604020202020204" pitchFamily="34" charset="0"/>
+              <a:cs typeface="Times New Roman" panose="02020603050405020304" pitchFamily="18" charset="0"/>
+            </a:endParaRPr>
+          </a:p>
+          <a:p>
+            <a:pPr algn="just">
+              <a:lnSpc>
+                <a:spcPct val="115000"/>
+              </a:lnSpc>
+            </a:pPr>
+            <a:endParaRPr lang="en-IN" b="1" dirty="0">
+              <a:effectLst/>
               <a:latin typeface="Times New Roman" panose="02020603050405020304" pitchFamily="18" charset="0"/>
+              <a:ea typeface="Arial" panose="020B0604020202020204" pitchFamily="34" charset="0"/>
+              <a:cs typeface="Times New Roman" panose="02020603050405020304" pitchFamily="18" charset="0"/>
+            </a:endParaRPr>
+          </a:p>
+          <a:p>
+            <a:pPr algn="just">
+              <a:lnSpc>
+                <a:spcPct val="115000"/>
+              </a:lnSpc>
+            </a:pPr>
+            <a:endParaRPr lang="en-IN" b="1" dirty="0">
+              <a:latin typeface="Times New Roman" panose="02020603050405020304" pitchFamily="18" charset="0"/>
+              <a:ea typeface="Arial" panose="020B0604020202020204" pitchFamily="34" charset="0"/>
+              <a:cs typeface="Times New Roman" panose="02020603050405020304" pitchFamily="18" charset="0"/>
+            </a:endParaRPr>
+          </a:p>
+          <a:p>
+            <a:pPr algn="just">
+              <a:lnSpc>
+                <a:spcPct val="115000"/>
+              </a:lnSpc>
+            </a:pPr>
+            <a:endParaRPr lang="en-IN" b="1" dirty="0">
+              <a:effectLst/>
+              <a:latin typeface="Times New Roman" panose="02020603050405020304" pitchFamily="18" charset="0"/>
+              <a:ea typeface="Arial" panose="020B0604020202020204" pitchFamily="34" charset="0"/>
+              <a:cs typeface="Times New Roman" panose="02020603050405020304" pitchFamily="18" charset="0"/>
+            </a:endParaRPr>
+          </a:p>
+          <a:p>
+            <a:pPr algn="just">
+              <a:lnSpc>
+                <a:spcPct val="115000"/>
+              </a:lnSpc>
+            </a:pPr>
+            <a:endParaRPr lang="en-IN" b="1" dirty="0">
+              <a:latin typeface="Times New Roman" panose="02020603050405020304" pitchFamily="18" charset="0"/>
+              <a:ea typeface="Arial" panose="020B0604020202020204" pitchFamily="34" charset="0"/>
+              <a:cs typeface="Times New Roman" panose="02020603050405020304" pitchFamily="18" charset="0"/>
+            </a:endParaRPr>
+          </a:p>
+          <a:p>
+            <a:pPr algn="just">
+              <a:lnSpc>
+                <a:spcPct val="115000"/>
+              </a:lnSpc>
+            </a:pPr>
+            <a:endParaRPr lang="en-IN" b="1" dirty="0">
+              <a:effectLst/>
+              <a:latin typeface="Times New Roman" panose="02020603050405020304" pitchFamily="18" charset="0"/>
+              <a:ea typeface="Arial" panose="020B0604020202020204" pitchFamily="34" charset="0"/>
+              <a:cs typeface="Times New Roman" panose="02020603050405020304" pitchFamily="18" charset="0"/>
+            </a:endParaRPr>
+          </a:p>
+          <a:p>
+            <a:pPr algn="just">
+              <a:lnSpc>
+                <a:spcPct val="115000"/>
+              </a:lnSpc>
+            </a:pPr>
+            <a:endParaRPr lang="en-IN" b="1" dirty="0">
+              <a:effectLst/>
+              <a:latin typeface="Times New Roman" panose="02020603050405020304" pitchFamily="18" charset="0"/>
+              <a:ea typeface="Arial" panose="020B0604020202020204" pitchFamily="34" charset="0"/>
+              <a:cs typeface="Times New Roman" panose="02020603050405020304" pitchFamily="18" charset="0"/>
+            </a:endParaRPr>
+          </a:p>
+          <a:p>
+            <a:pPr algn="just">
+              <a:lnSpc>
+                <a:spcPct val="115000"/>
+              </a:lnSpc>
+            </a:pPr>
+            <a:endParaRPr lang="en-IN" b="1" dirty="0">
+              <a:latin typeface="Times New Roman" panose="02020603050405020304" pitchFamily="18" charset="0"/>
+              <a:ea typeface="Arial" panose="020B0604020202020204" pitchFamily="34" charset="0"/>
+              <a:cs typeface="Times New Roman" panose="02020603050405020304" pitchFamily="18" charset="0"/>
+            </a:endParaRPr>
+          </a:p>
+          <a:p>
+            <a:pPr algn="just">
+              <a:lnSpc>
+                <a:spcPct val="115000"/>
+              </a:lnSpc>
+            </a:pPr>
+            <a:endParaRPr lang="en-IN" sz="1400" dirty="0">
+              <a:effectLst/>
+              <a:latin typeface="Arial" panose="020B0604020202020204" pitchFamily="34" charset="0"/>
+              <a:ea typeface="Arial" panose="020B0604020202020204" pitchFamily="34" charset="0"/>
+            </a:endParaRPr>
+          </a:p>
+          <a:p>
+            <a:pPr algn="just">
+              <a:lnSpc>
+                <a:spcPct val="115000"/>
+              </a:lnSpc>
+            </a:pPr>
+            <a:endParaRPr lang="en-IN" sz="1400" dirty="0">
+              <a:latin typeface="Arial" panose="020B0604020202020204" pitchFamily="34" charset="0"/>
+              <a:ea typeface="Arial" panose="020B0604020202020204" pitchFamily="34" charset="0"/>
+            </a:endParaRPr>
+          </a:p>
+          <a:p>
+            <a:pPr algn="just">
+              <a:lnSpc>
+                <a:spcPct val="115000"/>
+              </a:lnSpc>
+            </a:pPr>
+            <a:endParaRPr lang="en-IN" sz="1400" dirty="0">
+              <a:effectLst/>
+              <a:latin typeface="Arial" panose="020B0604020202020204" pitchFamily="34" charset="0"/>
+              <a:ea typeface="Arial" panose="020B0604020202020204" pitchFamily="34" charset="0"/>
+            </a:endParaRPr>
+          </a:p>
+          <a:p>
+            <a:pPr algn="just">
+              <a:lnSpc>
+                <a:spcPct val="115000"/>
+              </a:lnSpc>
+            </a:pPr>
+            <a:endParaRPr lang="en-IN" sz="1400" dirty="0">
+              <a:latin typeface="Arial" panose="020B0604020202020204" pitchFamily="34" charset="0"/>
+              <a:ea typeface="Arial" panose="020B0604020202020204" pitchFamily="34" charset="0"/>
+            </a:endParaRPr>
+          </a:p>
+          <a:p>
+            <a:pPr algn="just">
+              <a:lnSpc>
+                <a:spcPct val="115000"/>
+              </a:lnSpc>
+            </a:pPr>
+            <a:endParaRPr lang="en-IN" sz="1400" dirty="0">
+              <a:effectLst/>
+              <a:latin typeface="Arial" panose="020B0604020202020204" pitchFamily="34" charset="0"/>
+              <a:ea typeface="Arial" panose="020B0604020202020204" pitchFamily="34" charset="0"/>
+            </a:endParaRPr>
+          </a:p>
+          <a:p>
+            <a:pPr algn="just">
+              <a:lnSpc>
+                <a:spcPct val="115000"/>
+              </a:lnSpc>
+            </a:pPr>
+            <a:endParaRPr lang="en-IN" sz="1400" dirty="0">
+              <a:effectLst/>
+              <a:latin typeface="Arial" panose="020B0604020202020204" pitchFamily="34" charset="0"/>
+              <a:ea typeface="Arial" panose="020B0604020202020204" pitchFamily="34" charset="0"/>
             </a:endParaRPr>
           </a:p>
         </p:txBody>
       </p:sp>
+      <p:pic>
+        <p:nvPicPr>
+          <p:cNvPr id="9" name="Picture 8">
+            <a:extLst>
+              <a:ext uri="{FF2B5EF4-FFF2-40B4-BE49-F238E27FC236}">
+                <a16:creationId xmlns:a16="http://schemas.microsoft.com/office/drawing/2014/main" id="{9FE82F36-888E-4F38-94E9-50243509D2ED}"/>
+              </a:ext>
+            </a:extLst>
+          </p:cNvPr>
+          <p:cNvPicPr>
+            <a:picLocks noChangeAspect="1"/>
+          </p:cNvPicPr>
+          <p:nvPr/>
+        </p:nvPicPr>
+        <p:blipFill>
+          <a:blip r:embed="rId4">
+            <a:extLst>
+              <a:ext uri="{28A0092B-C50C-407E-A947-70E740481C1C}">
+                <a14:useLocalDpi xmlns:a14="http://schemas.microsoft.com/office/drawing/2010/main" val="0"/>
+              </a:ext>
+            </a:extLst>
+          </a:blip>
+          <a:stretch>
+            <a:fillRect/>
+          </a:stretch>
+        </p:blipFill>
+        <p:spPr>
+          <a:xfrm>
+            <a:off x="490220" y="2114714"/>
+            <a:ext cx="9740148" cy="3978219"/>
+          </a:xfrm>
+          <a:prstGeom prst="rect">
+            <a:avLst/>
+          </a:prstGeom>
+        </p:spPr>
+      </p:pic>
     </p:spTree>
     <p:extLst>
       <p:ext uri="{BB962C8B-B14F-4D97-AF65-F5344CB8AC3E}">
-        <p14:creationId xmlns:p14="http://schemas.microsoft.com/office/powerpoint/2010/main" val="984102935"/>
+        <p14:creationId xmlns:p14="http://schemas.microsoft.com/office/powerpoint/2010/main" val="1337519213"/>
       </p:ext>
     </p:extLst>
   </p:cSld>
@@ -6009,7 +6202,7 @@
         </p:blipFill>
         <p:spPr>
           <a:xfrm flipH="1">
-            <a:off x="0" y="0"/>
+            <a:off x="0" y="-20320"/>
             <a:ext cx="12192000" cy="6858000"/>
           </a:xfrm>
           <a:prstGeom prst="rect">
@@ -6139,17 +6332,17 @@
                 </a:solidFill>
                 <a:latin typeface="Times New Roman" panose="02020603050405020304" pitchFamily="18" charset="0"/>
               </a:rPr>
-              <a:t>Future Work</a:t>
+              <a:t>Deployment</a:t>
             </a:r>
           </a:p>
         </p:txBody>
       </p:sp>
       <p:sp>
         <p:nvSpPr>
-          <p:cNvPr id="3" name="TextBox 2">
-            <a:extLst>
-              <a:ext uri="{FF2B5EF4-FFF2-40B4-BE49-F238E27FC236}">
-                <a16:creationId xmlns:a16="http://schemas.microsoft.com/office/drawing/2014/main" id="{0619899A-31DA-FCDF-48CA-B2A307298A93}"/>
+          <p:cNvPr id="7" name="TextBox 6">
+            <a:extLst>
+              <a:ext uri="{FF2B5EF4-FFF2-40B4-BE49-F238E27FC236}">
+                <a16:creationId xmlns:a16="http://schemas.microsoft.com/office/drawing/2014/main" id="{7A00B694-CE8C-1B3C-6470-234A7FE34C41}"/>
               </a:ext>
             </a:extLst>
           </p:cNvPr>
@@ -6158,8 +6351,8 @@
         </p:nvSpPr>
         <p:spPr>
           <a:xfrm>
-            <a:off x="490219" y="1349647"/>
-            <a:ext cx="10751522" cy="4100610"/>
+            <a:off x="490220" y="1349647"/>
+            <a:ext cx="8277262" cy="4743286"/>
           </a:xfrm>
           <a:prstGeom prst="rect">
             <a:avLst/>
@@ -6177,92 +6370,246 @@
                 <a:spcPct val="115000"/>
               </a:lnSpc>
             </a:pPr>
-            <a:endParaRPr lang="en-IN" dirty="0">
-              <a:latin typeface="Times New Roman" panose="02020603050405020304" pitchFamily="18" charset="0"/>
-              <a:ea typeface="Arial" panose="020B0604020202020204" pitchFamily="34" charset="0"/>
-            </a:endParaRPr>
-          </a:p>
-          <a:p>
-            <a:pPr marL="285750" indent="-285750" algn="just">
-              <a:lnSpc>
-                <a:spcPct val="150000"/>
-              </a:lnSpc>
-              <a:buFont typeface="Wingdings" panose="05000000000000000000" pitchFamily="2" charset="2"/>
-              <a:buChar char="q"/>
-            </a:pPr>
-            <a:r>
-              <a:rPr lang="en-IN" sz="1800" dirty="0">
-                <a:effectLst/>
+            <a:r>
+              <a:rPr lang="en-IN" b="1" dirty="0">
                 <a:latin typeface="Times New Roman" panose="02020603050405020304" pitchFamily="18" charset="0"/>
                 <a:ea typeface="Arial" panose="020B0604020202020204" pitchFamily="34" charset="0"/>
+                <a:cs typeface="Times New Roman" panose="02020603050405020304" pitchFamily="18" charset="0"/>
               </a:rPr>
-              <a:t>We can involve additional features of managing the data related to the Payroll of the employee, the application can generate the Payroll of the Employee.</a:t>
-            </a:r>
-          </a:p>
-          <a:p>
-            <a:pPr marL="285750" indent="-285750" algn="just">
-              <a:lnSpc>
-                <a:spcPct val="150000"/>
-              </a:lnSpc>
-              <a:buFont typeface="Wingdings" panose="05000000000000000000" pitchFamily="2" charset="2"/>
-              <a:buChar char="q"/>
-            </a:pPr>
-            <a:endParaRPr lang="en-IN" dirty="0">
+              <a:t>Deploying Docker image on Kubernetes</a:t>
+            </a:r>
+            <a:endParaRPr lang="en-IN" b="1" dirty="0">
+              <a:effectLst/>
               <a:latin typeface="Times New Roman" panose="02020603050405020304" pitchFamily="18" charset="0"/>
               <a:ea typeface="Arial" panose="020B0604020202020204" pitchFamily="34" charset="0"/>
-            </a:endParaRPr>
-          </a:p>
-          <a:p>
-            <a:pPr marL="285750" indent="-285750" algn="just">
-              <a:lnSpc>
-                <a:spcPct val="150000"/>
-              </a:lnSpc>
-              <a:buFont typeface="Wingdings" panose="05000000000000000000" pitchFamily="2" charset="2"/>
-              <a:buChar char="q"/>
-            </a:pPr>
-            <a:r>
-              <a:rPr lang="en-IN" sz="1800" dirty="0">
-                <a:effectLst/>
-                <a:latin typeface="Times New Roman" panose="02020603050405020304" pitchFamily="18" charset="0"/>
-                <a:ea typeface="Arial" panose="020B0604020202020204" pitchFamily="34" charset="0"/>
-              </a:rPr>
-              <a:t>In future, we can also make the application to maintain the daily task details of the Employees so that it will become easier to maintain the daily tasks performed by the Employees which will eventually help in analysing the Performance of Employees.</a:t>
-            </a:r>
-          </a:p>
-          <a:p>
-            <a:pPr algn="just">
-              <a:lnSpc>
-                <a:spcPct val="150000"/>
-              </a:lnSpc>
-            </a:pPr>
-            <a:endParaRPr lang="en-IN" dirty="0">
+              <a:cs typeface="Times New Roman" panose="02020603050405020304" pitchFamily="18" charset="0"/>
+            </a:endParaRPr>
+          </a:p>
+          <a:p>
+            <a:pPr algn="just">
+              <a:lnSpc>
+                <a:spcPct val="115000"/>
+              </a:lnSpc>
+            </a:pPr>
+            <a:endParaRPr lang="en-IN" b="1" dirty="0">
+              <a:effectLst/>
               <a:latin typeface="Times New Roman" panose="02020603050405020304" pitchFamily="18" charset="0"/>
               <a:ea typeface="Arial" panose="020B0604020202020204" pitchFamily="34" charset="0"/>
-            </a:endParaRPr>
-          </a:p>
-          <a:p>
-            <a:pPr marL="285750" indent="-285750" algn="just">
-              <a:lnSpc>
-                <a:spcPct val="150000"/>
-              </a:lnSpc>
-              <a:buFont typeface="Wingdings" panose="05000000000000000000" pitchFamily="2" charset="2"/>
-              <a:buChar char="q"/>
-            </a:pPr>
-            <a:r>
-              <a:rPr lang="en-IN" sz="1800" dirty="0">
-                <a:effectLst/>
-                <a:latin typeface="Times New Roman" panose="02020603050405020304" pitchFamily="18" charset="0"/>
-                <a:ea typeface="Arial" panose="020B0604020202020204" pitchFamily="34" charset="0"/>
-              </a:rPr>
-              <a:t> By adding other modules like Payroll management, Employee Onboarding, Attendance tracker and Daily tasks tracker, this project can be enhanced and will ensure the business productivity.</a:t>
-            </a:r>
+              <a:cs typeface="Times New Roman" panose="02020603050405020304" pitchFamily="18" charset="0"/>
+            </a:endParaRPr>
+          </a:p>
+          <a:p>
+            <a:pPr algn="just">
+              <a:lnSpc>
+                <a:spcPct val="115000"/>
+              </a:lnSpc>
+            </a:pPr>
+            <a:endParaRPr lang="en-IN" b="1" dirty="0">
+              <a:latin typeface="Times New Roman" panose="02020603050405020304" pitchFamily="18" charset="0"/>
+              <a:ea typeface="Arial" panose="020B0604020202020204" pitchFamily="34" charset="0"/>
+              <a:cs typeface="Times New Roman" panose="02020603050405020304" pitchFamily="18" charset="0"/>
+            </a:endParaRPr>
+          </a:p>
+          <a:p>
+            <a:pPr algn="just">
+              <a:lnSpc>
+                <a:spcPct val="115000"/>
+              </a:lnSpc>
+            </a:pPr>
+            <a:endParaRPr lang="en-IN" b="1" dirty="0">
+              <a:effectLst/>
+              <a:latin typeface="Times New Roman" panose="02020603050405020304" pitchFamily="18" charset="0"/>
+              <a:ea typeface="Arial" panose="020B0604020202020204" pitchFamily="34" charset="0"/>
+              <a:cs typeface="Times New Roman" panose="02020603050405020304" pitchFamily="18" charset="0"/>
+            </a:endParaRPr>
+          </a:p>
+          <a:p>
+            <a:pPr algn="just">
+              <a:lnSpc>
+                <a:spcPct val="115000"/>
+              </a:lnSpc>
+            </a:pPr>
+            <a:endParaRPr lang="en-IN" b="1" dirty="0">
+              <a:latin typeface="Times New Roman" panose="02020603050405020304" pitchFamily="18" charset="0"/>
+              <a:ea typeface="Arial" panose="020B0604020202020204" pitchFamily="34" charset="0"/>
+              <a:cs typeface="Times New Roman" panose="02020603050405020304" pitchFamily="18" charset="0"/>
+            </a:endParaRPr>
+          </a:p>
+          <a:p>
+            <a:pPr algn="just">
+              <a:lnSpc>
+                <a:spcPct val="115000"/>
+              </a:lnSpc>
+            </a:pPr>
+            <a:endParaRPr lang="en-IN" b="1" dirty="0">
+              <a:effectLst/>
+              <a:latin typeface="Times New Roman" panose="02020603050405020304" pitchFamily="18" charset="0"/>
+              <a:ea typeface="Arial" panose="020B0604020202020204" pitchFamily="34" charset="0"/>
+              <a:cs typeface="Times New Roman" panose="02020603050405020304" pitchFamily="18" charset="0"/>
+            </a:endParaRPr>
+          </a:p>
+          <a:p>
+            <a:pPr algn="just">
+              <a:lnSpc>
+                <a:spcPct val="115000"/>
+              </a:lnSpc>
+            </a:pPr>
+            <a:endParaRPr lang="en-IN" b="1" dirty="0">
+              <a:latin typeface="Times New Roman" panose="02020603050405020304" pitchFamily="18" charset="0"/>
+              <a:ea typeface="Arial" panose="020B0604020202020204" pitchFamily="34" charset="0"/>
+              <a:cs typeface="Times New Roman" panose="02020603050405020304" pitchFamily="18" charset="0"/>
+            </a:endParaRPr>
+          </a:p>
+          <a:p>
+            <a:pPr algn="just">
+              <a:lnSpc>
+                <a:spcPct val="115000"/>
+              </a:lnSpc>
+            </a:pPr>
+            <a:endParaRPr lang="en-IN" b="1" dirty="0">
+              <a:effectLst/>
+              <a:latin typeface="Times New Roman" panose="02020603050405020304" pitchFamily="18" charset="0"/>
+              <a:ea typeface="Arial" panose="020B0604020202020204" pitchFamily="34" charset="0"/>
+              <a:cs typeface="Times New Roman" panose="02020603050405020304" pitchFamily="18" charset="0"/>
+            </a:endParaRPr>
+          </a:p>
+          <a:p>
+            <a:pPr algn="just">
+              <a:lnSpc>
+                <a:spcPct val="115000"/>
+              </a:lnSpc>
+            </a:pPr>
+            <a:endParaRPr lang="en-IN" b="1" dirty="0">
+              <a:effectLst/>
+              <a:latin typeface="Times New Roman" panose="02020603050405020304" pitchFamily="18" charset="0"/>
+              <a:ea typeface="Arial" panose="020B0604020202020204" pitchFamily="34" charset="0"/>
+              <a:cs typeface="Times New Roman" panose="02020603050405020304" pitchFamily="18" charset="0"/>
+            </a:endParaRPr>
+          </a:p>
+          <a:p>
+            <a:pPr algn="just">
+              <a:lnSpc>
+                <a:spcPct val="115000"/>
+              </a:lnSpc>
+            </a:pPr>
+            <a:endParaRPr lang="en-IN" b="1" dirty="0">
+              <a:latin typeface="Times New Roman" panose="02020603050405020304" pitchFamily="18" charset="0"/>
+              <a:ea typeface="Arial" panose="020B0604020202020204" pitchFamily="34" charset="0"/>
+              <a:cs typeface="Times New Roman" panose="02020603050405020304" pitchFamily="18" charset="0"/>
+            </a:endParaRPr>
+          </a:p>
+          <a:p>
+            <a:pPr algn="just">
+              <a:lnSpc>
+                <a:spcPct val="115000"/>
+              </a:lnSpc>
+            </a:pPr>
+            <a:endParaRPr lang="en-IN" sz="1400" dirty="0">
+              <a:effectLst/>
+              <a:latin typeface="Arial" panose="020B0604020202020204" pitchFamily="34" charset="0"/>
+              <a:ea typeface="Arial" panose="020B0604020202020204" pitchFamily="34" charset="0"/>
+            </a:endParaRPr>
+          </a:p>
+          <a:p>
+            <a:pPr algn="just">
+              <a:lnSpc>
+                <a:spcPct val="115000"/>
+              </a:lnSpc>
+            </a:pPr>
+            <a:endParaRPr lang="en-IN" sz="1400" dirty="0">
+              <a:latin typeface="Arial" panose="020B0604020202020204" pitchFamily="34" charset="0"/>
+              <a:ea typeface="Arial" panose="020B0604020202020204" pitchFamily="34" charset="0"/>
+            </a:endParaRPr>
+          </a:p>
+          <a:p>
+            <a:pPr algn="just">
+              <a:lnSpc>
+                <a:spcPct val="115000"/>
+              </a:lnSpc>
+            </a:pPr>
+            <a:endParaRPr lang="en-IN" sz="1400" dirty="0">
+              <a:effectLst/>
+              <a:latin typeface="Arial" panose="020B0604020202020204" pitchFamily="34" charset="0"/>
+              <a:ea typeface="Arial" panose="020B0604020202020204" pitchFamily="34" charset="0"/>
+            </a:endParaRPr>
+          </a:p>
+          <a:p>
+            <a:pPr algn="just">
+              <a:lnSpc>
+                <a:spcPct val="115000"/>
+              </a:lnSpc>
+            </a:pPr>
+            <a:endParaRPr lang="en-IN" sz="1400" dirty="0">
+              <a:latin typeface="Arial" panose="020B0604020202020204" pitchFamily="34" charset="0"/>
+              <a:ea typeface="Arial" panose="020B0604020202020204" pitchFamily="34" charset="0"/>
+            </a:endParaRPr>
+          </a:p>
+          <a:p>
+            <a:pPr algn="just">
+              <a:lnSpc>
+                <a:spcPct val="115000"/>
+              </a:lnSpc>
+            </a:pPr>
+            <a:endParaRPr lang="en-IN" sz="1400" dirty="0">
+              <a:effectLst/>
+              <a:latin typeface="Arial" panose="020B0604020202020204" pitchFamily="34" charset="0"/>
+              <a:ea typeface="Arial" panose="020B0604020202020204" pitchFamily="34" charset="0"/>
+            </a:endParaRPr>
+          </a:p>
+          <a:p>
+            <a:pPr algn="just">
+              <a:lnSpc>
+                <a:spcPct val="115000"/>
+              </a:lnSpc>
+            </a:pPr>
+            <a:endParaRPr lang="en-IN" sz="1400" dirty="0">
+              <a:effectLst/>
+              <a:latin typeface="Arial" panose="020B0604020202020204" pitchFamily="34" charset="0"/>
+              <a:ea typeface="Arial" panose="020B0604020202020204" pitchFamily="34" charset="0"/>
+            </a:endParaRPr>
           </a:p>
         </p:txBody>
       </p:sp>
+      <p:pic>
+        <p:nvPicPr>
+          <p:cNvPr id="3" name="Picture 2">
+            <a:extLst>
+              <a:ext uri="{FF2B5EF4-FFF2-40B4-BE49-F238E27FC236}">
+                <a16:creationId xmlns:a16="http://schemas.microsoft.com/office/drawing/2014/main" id="{B1D40D35-CCC1-4CC3-8A38-26E68CA128EE}"/>
+              </a:ext>
+            </a:extLst>
+          </p:cNvPr>
+          <p:cNvPicPr>
+            <a:picLocks noChangeAspect="1"/>
+          </p:cNvPicPr>
+          <p:nvPr/>
+        </p:nvPicPr>
+        <p:blipFill>
+          <a:blip r:embed="rId4">
+            <a:extLst>
+              <a:ext uri="{28A0092B-C50C-407E-A947-70E740481C1C}">
+                <a14:useLocalDpi xmlns:a14="http://schemas.microsoft.com/office/drawing/2010/main" val="0"/>
+              </a:ext>
+            </a:extLst>
+          </a:blip>
+          <a:stretch>
+            <a:fillRect/>
+          </a:stretch>
+        </p:blipFill>
+        <p:spPr>
+          <a:xfrm>
+            <a:off x="565897" y="2236831"/>
+            <a:ext cx="8818879" cy="4020533"/>
+          </a:xfrm>
+          <a:prstGeom prst="rect">
+            <a:avLst/>
+          </a:prstGeom>
+        </p:spPr>
+      </p:pic>
     </p:spTree>
     <p:extLst>
       <p:ext uri="{BB962C8B-B14F-4D97-AF65-F5344CB8AC3E}">
-        <p14:creationId xmlns:p14="http://schemas.microsoft.com/office/powerpoint/2010/main" val="2343796108"/>
+        <p14:creationId xmlns:p14="http://schemas.microsoft.com/office/powerpoint/2010/main" val="1442676248"/>
       </p:ext>
     </p:extLst>
   </p:cSld>
@@ -6447,6 +6794,626 @@
                 </a:solidFill>
                 <a:latin typeface="Times New Roman" panose="02020603050405020304" pitchFamily="18" charset="0"/>
               </a:rPr>
+              <a:t>Conclusion</a:t>
+            </a:r>
+          </a:p>
+        </p:txBody>
+      </p:sp>
+      <p:sp>
+        <p:nvSpPr>
+          <p:cNvPr id="7" name="TextBox 6">
+            <a:extLst>
+              <a:ext uri="{FF2B5EF4-FFF2-40B4-BE49-F238E27FC236}">
+                <a16:creationId xmlns:a16="http://schemas.microsoft.com/office/drawing/2014/main" id="{B4E07FE1-E878-E386-9DF4-34E931415690}"/>
+              </a:ext>
+            </a:extLst>
+          </p:cNvPr>
+          <p:cNvSpPr txBox="1"/>
+          <p:nvPr/>
+        </p:nvSpPr>
+        <p:spPr>
+          <a:xfrm>
+            <a:off x="490219" y="1349647"/>
+            <a:ext cx="10828013" cy="4858894"/>
+          </a:xfrm>
+          <a:prstGeom prst="rect">
+            <a:avLst/>
+          </a:prstGeom>
+          <a:noFill/>
+        </p:spPr>
+        <p:txBody>
+          <a:bodyPr wrap="square">
+            <a:spAutoFit/>
+          </a:bodyPr>
+          <a:lstStyle/>
+          <a:p>
+            <a:pPr algn="just">
+              <a:lnSpc>
+                <a:spcPct val="115000"/>
+              </a:lnSpc>
+            </a:pPr>
+            <a:endParaRPr lang="en-IN" dirty="0">
+              <a:latin typeface="Times New Roman" panose="02020603050405020304" pitchFamily="18" charset="0"/>
+              <a:ea typeface="Arial" panose="020B0604020202020204" pitchFamily="34" charset="0"/>
+            </a:endParaRPr>
+          </a:p>
+          <a:p>
+            <a:pPr marL="285750" indent="-285750" algn="just">
+              <a:lnSpc>
+                <a:spcPct val="150000"/>
+              </a:lnSpc>
+              <a:buFont typeface="Wingdings" panose="05000000000000000000" pitchFamily="2" charset="2"/>
+              <a:buChar char="q"/>
+            </a:pPr>
+            <a:r>
+              <a:rPr lang="en-US" dirty="0">
+                <a:latin typeface="Times New Roman" panose="02020603050405020304" pitchFamily="18" charset="0"/>
+              </a:rPr>
+              <a:t>Every business needs EMS because of its capacity to lower stress and pressure while fostering relationships between managers and employees. It produces a setting that might promote dialogue. This makes sure that management and staff cooperate to achieve the company's objectives.</a:t>
+            </a:r>
+          </a:p>
+          <a:p>
+            <a:pPr marL="285750" indent="-285750" algn="just">
+              <a:lnSpc>
+                <a:spcPct val="150000"/>
+              </a:lnSpc>
+              <a:buFont typeface="Wingdings" panose="05000000000000000000" pitchFamily="2" charset="2"/>
+              <a:buChar char="q"/>
+            </a:pPr>
+            <a:endParaRPr lang="en-US" dirty="0">
+              <a:latin typeface="Times New Roman" panose="02020603050405020304" pitchFamily="18" charset="0"/>
+            </a:endParaRPr>
+          </a:p>
+          <a:p>
+            <a:pPr marL="285750" indent="-285750" algn="just">
+              <a:lnSpc>
+                <a:spcPct val="150000"/>
+              </a:lnSpc>
+              <a:buFont typeface="Wingdings" panose="05000000000000000000" pitchFamily="2" charset="2"/>
+              <a:buChar char="q"/>
+            </a:pPr>
+            <a:r>
+              <a:rPr lang="en-US" dirty="0">
+                <a:latin typeface="Times New Roman" panose="02020603050405020304" pitchFamily="18" charset="0"/>
+              </a:rPr>
+              <a:t>This can help in reducing the paperwork. Using an EMS, the HR department can streamline processes and contribute to society.</a:t>
+            </a:r>
+          </a:p>
+          <a:p>
+            <a:pPr marL="285750" indent="-285750" algn="just">
+              <a:lnSpc>
+                <a:spcPct val="150000"/>
+              </a:lnSpc>
+              <a:buFont typeface="Wingdings" panose="05000000000000000000" pitchFamily="2" charset="2"/>
+              <a:buChar char="q"/>
+            </a:pPr>
+            <a:endParaRPr lang="en-US" dirty="0">
+              <a:latin typeface="Times New Roman" panose="02020603050405020304" pitchFamily="18" charset="0"/>
+            </a:endParaRPr>
+          </a:p>
+          <a:p>
+            <a:pPr marL="285750" indent="-285750" algn="just">
+              <a:lnSpc>
+                <a:spcPct val="150000"/>
+              </a:lnSpc>
+              <a:buFont typeface="Wingdings" panose="05000000000000000000" pitchFamily="2" charset="2"/>
+              <a:buChar char="q"/>
+            </a:pPr>
+            <a:r>
+              <a:rPr lang="en-US" dirty="0">
+                <a:latin typeface="Times New Roman" panose="02020603050405020304" pitchFamily="18" charset="0"/>
+              </a:rPr>
+              <a:t>This project can help in improving your data security methods. As an organization saves employee information like bank details, addresses, telephone numbers and personal identification details, providing better data security is essential. EMS offers security and data encryption measures that guarantee data security.</a:t>
+            </a:r>
+          </a:p>
+          <a:p>
+            <a:pPr algn="just">
+              <a:lnSpc>
+                <a:spcPct val="115000"/>
+              </a:lnSpc>
+            </a:pPr>
+            <a:endParaRPr lang="en-IN" dirty="0">
+              <a:latin typeface="Times New Roman" panose="02020603050405020304" pitchFamily="18" charset="0"/>
+            </a:endParaRPr>
+          </a:p>
+        </p:txBody>
+      </p:sp>
+    </p:spTree>
+    <p:extLst>
+      <p:ext uri="{BB962C8B-B14F-4D97-AF65-F5344CB8AC3E}">
+        <p14:creationId xmlns:p14="http://schemas.microsoft.com/office/powerpoint/2010/main" val="984102935"/>
+      </p:ext>
+    </p:extLst>
+  </p:cSld>
+  <p:clrMapOvr>
+    <a:masterClrMapping/>
+  </p:clrMapOvr>
+</p:sld>
+</file>
+
+<file path=ppt/slides/slide17.xml><?xml version="1.0" encoding="utf-8"?>
+<p:sld xmlns:a="http://schemas.openxmlformats.org/drawingml/2006/main" xmlns:r="http://schemas.openxmlformats.org/officeDocument/2006/relationships" xmlns:p="http://schemas.openxmlformats.org/presentationml/2006/main">
+  <p:cSld>
+    <p:spTree>
+      <p:nvGrpSpPr>
+        <p:cNvPr id="1" name=""/>
+        <p:cNvGrpSpPr/>
+        <p:nvPr/>
+      </p:nvGrpSpPr>
+      <p:grpSpPr>
+        <a:xfrm>
+          <a:off x="0" y="0"/>
+          <a:ext cx="0" cy="0"/>
+          <a:chOff x="0" y="0"/>
+          <a:chExt cx="0" cy="0"/>
+        </a:xfrm>
+      </p:grpSpPr>
+      <p:pic>
+        <p:nvPicPr>
+          <p:cNvPr id="4" name="Picture 3">
+            <a:extLst>
+              <a:ext uri="{FF2B5EF4-FFF2-40B4-BE49-F238E27FC236}">
+                <a16:creationId xmlns:a16="http://schemas.microsoft.com/office/drawing/2014/main" id="{3893C3C6-E6B4-0EAA-6168-B66B664B265B}"/>
+              </a:ext>
+            </a:extLst>
+          </p:cNvPr>
+          <p:cNvPicPr>
+            <a:picLocks noGrp="1" noRot="1" noChangeAspect="1" noMove="1" noResize="1" noEditPoints="1" noAdjustHandles="1" noChangeArrowheads="1" noChangeShapeType="1" noCrop="1"/>
+          </p:cNvPicPr>
+          <p:nvPr/>
+        </p:nvPicPr>
+        <p:blipFill>
+          <a:blip r:embed="rId2" cstate="email">
+            <a:extLst>
+              <a:ext uri="{28A0092B-C50C-407E-A947-70E740481C1C}">
+                <a14:useLocalDpi xmlns:a14="http://schemas.microsoft.com/office/drawing/2010/main"/>
+              </a:ext>
+            </a:extLst>
+          </a:blip>
+          <a:stretch>
+            <a:fillRect/>
+          </a:stretch>
+        </p:blipFill>
+        <p:spPr>
+          <a:xfrm flipH="1">
+            <a:off x="0" y="0"/>
+            <a:ext cx="12192000" cy="6858000"/>
+          </a:xfrm>
+          <a:prstGeom prst="rect">
+            <a:avLst/>
+          </a:prstGeom>
+        </p:spPr>
+      </p:pic>
+      <p:cxnSp>
+        <p:nvCxnSpPr>
+          <p:cNvPr id="5" name="Straight Connector 4">
+            <a:extLst>
+              <a:ext uri="{FF2B5EF4-FFF2-40B4-BE49-F238E27FC236}">
+                <a16:creationId xmlns:a16="http://schemas.microsoft.com/office/drawing/2014/main" id="{6317BEF4-F659-05B0-B884-5FBC9950BC38}"/>
+              </a:ext>
+            </a:extLst>
+          </p:cNvPr>
+          <p:cNvCxnSpPr>
+            <a:cxnSpLocks/>
+          </p:cNvCxnSpPr>
+          <p:nvPr/>
+        </p:nvCxnSpPr>
+        <p:spPr>
+          <a:xfrm>
+            <a:off x="2404113" y="383848"/>
+            <a:ext cx="0" cy="429893"/>
+          </a:xfrm>
+          <a:prstGeom prst="line">
+            <a:avLst/>
+          </a:prstGeom>
+          <a:ln w="12700">
+            <a:solidFill>
+              <a:srgbClr val="DD4F22"/>
+            </a:solidFill>
+          </a:ln>
+        </p:spPr>
+        <p:style>
+          <a:lnRef idx="1">
+            <a:schemeClr val="accent1"/>
+          </a:lnRef>
+          <a:fillRef idx="0">
+            <a:schemeClr val="accent1"/>
+          </a:fillRef>
+          <a:effectRef idx="0">
+            <a:schemeClr val="accent1"/>
+          </a:effectRef>
+          <a:fontRef idx="minor">
+            <a:schemeClr val="tx1"/>
+          </a:fontRef>
+        </p:style>
+      </p:cxnSp>
+      <p:pic>
+        <p:nvPicPr>
+          <p:cNvPr id="6" name="Picture 5">
+            <a:extLst>
+              <a:ext uri="{FF2B5EF4-FFF2-40B4-BE49-F238E27FC236}">
+                <a16:creationId xmlns:a16="http://schemas.microsoft.com/office/drawing/2014/main" id="{4C8E9BB0-02EA-460A-EDCE-9CB013DFF909}"/>
+              </a:ext>
+            </a:extLst>
+          </p:cNvPr>
+          <p:cNvPicPr>
+            <a:picLocks noGrp="1" noRot="1" noChangeAspect="1" noMove="1" noResize="1" noEditPoints="1" noAdjustHandles="1" noChangeArrowheads="1" noChangeShapeType="1" noCrop="1"/>
+          </p:cNvPicPr>
+          <p:nvPr/>
+        </p:nvPicPr>
+        <p:blipFill>
+          <a:blip r:embed="rId3">
+            <a:extLst>
+              <a:ext uri="{28A0092B-C50C-407E-A947-70E740481C1C}">
+                <a14:useLocalDpi xmlns:a14="http://schemas.microsoft.com/office/drawing/2010/main" val="0"/>
+              </a:ext>
+            </a:extLst>
+          </a:blip>
+          <a:srcRect/>
+          <a:stretch/>
+        </p:blipFill>
+        <p:spPr>
+          <a:xfrm>
+            <a:off x="217505" y="338023"/>
+            <a:ext cx="1963465" cy="521544"/>
+          </a:xfrm>
+          <a:prstGeom prst="rect">
+            <a:avLst/>
+          </a:prstGeom>
+        </p:spPr>
+      </p:pic>
+      <p:sp>
+        <p:nvSpPr>
+          <p:cNvPr id="8" name="TextBox 7">
+            <a:extLst>
+              <a:ext uri="{FF2B5EF4-FFF2-40B4-BE49-F238E27FC236}">
+                <a16:creationId xmlns:a16="http://schemas.microsoft.com/office/drawing/2014/main" id="{83A5D50A-7BF5-47B2-27E6-96AA33171B2B}"/>
+              </a:ext>
+            </a:extLst>
+          </p:cNvPr>
+          <p:cNvSpPr txBox="1">
+            <a:spLocks noGrp="1" noRot="1" noMove="1" noResize="1" noEditPoints="1" noAdjustHandles="1" noChangeArrowheads="1" noChangeShapeType="1"/>
+          </p:cNvSpPr>
+          <p:nvPr/>
+        </p:nvSpPr>
+        <p:spPr>
+          <a:xfrm>
+            <a:off x="2499360" y="383848"/>
+            <a:ext cx="8818879" cy="483017"/>
+          </a:xfrm>
+          <a:prstGeom prst="rect">
+            <a:avLst/>
+          </a:prstGeom>
+          <a:solidFill>
+            <a:srgbClr val="FF6709"/>
+          </a:solidFill>
+        </p:spPr>
+        <p:txBody>
+          <a:bodyPr wrap="square" rtlCol="0">
+            <a:spAutoFit/>
+          </a:bodyPr>
+          <a:lstStyle/>
+          <a:p>
+            <a:pPr>
+              <a:lnSpc>
+                <a:spcPct val="115000"/>
+              </a:lnSpc>
+            </a:pPr>
+            <a:r>
+              <a:rPr lang="en-IN" sz="2400" b="1" dirty="0">
+                <a:solidFill>
+                  <a:schemeClr val="bg1"/>
+                </a:solidFill>
+                <a:latin typeface="Times New Roman" panose="02020603050405020304" pitchFamily="18" charset="0"/>
+              </a:rPr>
+              <a:t>Future Work</a:t>
+            </a:r>
+          </a:p>
+        </p:txBody>
+      </p:sp>
+      <p:sp>
+        <p:nvSpPr>
+          <p:cNvPr id="3" name="TextBox 2">
+            <a:extLst>
+              <a:ext uri="{FF2B5EF4-FFF2-40B4-BE49-F238E27FC236}">
+                <a16:creationId xmlns:a16="http://schemas.microsoft.com/office/drawing/2014/main" id="{0619899A-31DA-FCDF-48CA-B2A307298A93}"/>
+              </a:ext>
+            </a:extLst>
+          </p:cNvPr>
+          <p:cNvSpPr txBox="1"/>
+          <p:nvPr/>
+        </p:nvSpPr>
+        <p:spPr>
+          <a:xfrm>
+            <a:off x="490219" y="1349647"/>
+            <a:ext cx="10751522" cy="4100610"/>
+          </a:xfrm>
+          <a:prstGeom prst="rect">
+            <a:avLst/>
+          </a:prstGeom>
+          <a:noFill/>
+        </p:spPr>
+        <p:txBody>
+          <a:bodyPr wrap="square">
+            <a:spAutoFit/>
+          </a:bodyPr>
+          <a:lstStyle/>
+          <a:p>
+            <a:pPr algn="just">
+              <a:lnSpc>
+                <a:spcPct val="115000"/>
+              </a:lnSpc>
+            </a:pPr>
+            <a:endParaRPr lang="en-IN" dirty="0">
+              <a:latin typeface="Times New Roman" panose="02020603050405020304" pitchFamily="18" charset="0"/>
+              <a:ea typeface="Arial" panose="020B0604020202020204" pitchFamily="34" charset="0"/>
+            </a:endParaRPr>
+          </a:p>
+          <a:p>
+            <a:pPr marL="285750" indent="-285750" algn="just">
+              <a:lnSpc>
+                <a:spcPct val="150000"/>
+              </a:lnSpc>
+              <a:buFont typeface="Wingdings" panose="05000000000000000000" pitchFamily="2" charset="2"/>
+              <a:buChar char="q"/>
+            </a:pPr>
+            <a:r>
+              <a:rPr lang="en-IN" sz="1800" dirty="0">
+                <a:effectLst/>
+                <a:latin typeface="Times New Roman" panose="02020603050405020304" pitchFamily="18" charset="0"/>
+                <a:ea typeface="Arial" panose="020B0604020202020204" pitchFamily="34" charset="0"/>
+              </a:rPr>
+              <a:t>We can involve additional features of managing the data related to the Payroll of the employee, the application can generate the Payroll of the Employee.</a:t>
+            </a:r>
+          </a:p>
+          <a:p>
+            <a:pPr marL="285750" indent="-285750" algn="just">
+              <a:lnSpc>
+                <a:spcPct val="150000"/>
+              </a:lnSpc>
+              <a:buFont typeface="Wingdings" panose="05000000000000000000" pitchFamily="2" charset="2"/>
+              <a:buChar char="q"/>
+            </a:pPr>
+            <a:endParaRPr lang="en-IN" dirty="0">
+              <a:latin typeface="Times New Roman" panose="02020603050405020304" pitchFamily="18" charset="0"/>
+              <a:ea typeface="Arial" panose="020B0604020202020204" pitchFamily="34" charset="0"/>
+            </a:endParaRPr>
+          </a:p>
+          <a:p>
+            <a:pPr marL="285750" indent="-285750" algn="just">
+              <a:lnSpc>
+                <a:spcPct val="150000"/>
+              </a:lnSpc>
+              <a:buFont typeface="Wingdings" panose="05000000000000000000" pitchFamily="2" charset="2"/>
+              <a:buChar char="q"/>
+            </a:pPr>
+            <a:r>
+              <a:rPr lang="en-IN" sz="1800" dirty="0">
+                <a:effectLst/>
+                <a:latin typeface="Times New Roman" panose="02020603050405020304" pitchFamily="18" charset="0"/>
+                <a:ea typeface="Arial" panose="020B0604020202020204" pitchFamily="34" charset="0"/>
+              </a:rPr>
+              <a:t>In future, we can also make the application to maintain the daily task details of the Employees so that it will become easier to maintain the daily tasks performed by the Employees which will eventually help in analysing the Performance of Employees.</a:t>
+            </a:r>
+          </a:p>
+          <a:p>
+            <a:pPr algn="just">
+              <a:lnSpc>
+                <a:spcPct val="150000"/>
+              </a:lnSpc>
+            </a:pPr>
+            <a:endParaRPr lang="en-IN" dirty="0">
+              <a:latin typeface="Times New Roman" panose="02020603050405020304" pitchFamily="18" charset="0"/>
+              <a:ea typeface="Arial" panose="020B0604020202020204" pitchFamily="34" charset="0"/>
+            </a:endParaRPr>
+          </a:p>
+          <a:p>
+            <a:pPr marL="285750" indent="-285750" algn="just">
+              <a:lnSpc>
+                <a:spcPct val="150000"/>
+              </a:lnSpc>
+              <a:buFont typeface="Wingdings" panose="05000000000000000000" pitchFamily="2" charset="2"/>
+              <a:buChar char="q"/>
+            </a:pPr>
+            <a:r>
+              <a:rPr lang="en-IN" sz="1800" dirty="0">
+                <a:effectLst/>
+                <a:latin typeface="Times New Roman" panose="02020603050405020304" pitchFamily="18" charset="0"/>
+                <a:ea typeface="Arial" panose="020B0604020202020204" pitchFamily="34" charset="0"/>
+              </a:rPr>
+              <a:t> By adding other modules like Payroll management, Employee Onboarding, Attendance tracker and Daily tasks tracker, this project can be enhanced and will ensure the business productivity.</a:t>
+            </a:r>
+          </a:p>
+        </p:txBody>
+      </p:sp>
+    </p:spTree>
+    <p:extLst>
+      <p:ext uri="{BB962C8B-B14F-4D97-AF65-F5344CB8AC3E}">
+        <p14:creationId xmlns:p14="http://schemas.microsoft.com/office/powerpoint/2010/main" val="2343796108"/>
+      </p:ext>
+    </p:extLst>
+  </p:cSld>
+  <p:clrMapOvr>
+    <a:masterClrMapping/>
+  </p:clrMapOvr>
+</p:sld>
+</file>
+
+<file path=ppt/slides/slide18.xml><?xml version="1.0" encoding="utf-8"?>
+<p:sld xmlns:a="http://schemas.openxmlformats.org/drawingml/2006/main" xmlns:r="http://schemas.openxmlformats.org/officeDocument/2006/relationships" xmlns:p="http://schemas.openxmlformats.org/presentationml/2006/main">
+  <p:cSld>
+    <p:spTree>
+      <p:nvGrpSpPr>
+        <p:cNvPr id="1" name=""/>
+        <p:cNvGrpSpPr/>
+        <p:nvPr/>
+      </p:nvGrpSpPr>
+      <p:grpSpPr>
+        <a:xfrm>
+          <a:off x="0" y="0"/>
+          <a:ext cx="0" cy="0"/>
+          <a:chOff x="0" y="0"/>
+          <a:chExt cx="0" cy="0"/>
+        </a:xfrm>
+      </p:grpSpPr>
+      <p:pic>
+        <p:nvPicPr>
+          <p:cNvPr id="4" name="Picture 3">
+            <a:extLst>
+              <a:ext uri="{FF2B5EF4-FFF2-40B4-BE49-F238E27FC236}">
+                <a16:creationId xmlns:a16="http://schemas.microsoft.com/office/drawing/2014/main" id="{3893C3C6-E6B4-0EAA-6168-B66B664B265B}"/>
+              </a:ext>
+            </a:extLst>
+          </p:cNvPr>
+          <p:cNvPicPr>
+            <a:picLocks noGrp="1" noRot="1" noChangeAspect="1" noMove="1" noResize="1" noEditPoints="1" noAdjustHandles="1" noChangeArrowheads="1" noChangeShapeType="1" noCrop="1"/>
+          </p:cNvPicPr>
+          <p:nvPr/>
+        </p:nvPicPr>
+        <p:blipFill>
+          <a:blip r:embed="rId2" cstate="email">
+            <a:extLst>
+              <a:ext uri="{28A0092B-C50C-407E-A947-70E740481C1C}">
+                <a14:useLocalDpi xmlns:a14="http://schemas.microsoft.com/office/drawing/2010/main"/>
+              </a:ext>
+            </a:extLst>
+          </a:blip>
+          <a:stretch>
+            <a:fillRect/>
+          </a:stretch>
+        </p:blipFill>
+        <p:spPr>
+          <a:xfrm flipH="1">
+            <a:off x="0" y="0"/>
+            <a:ext cx="12192000" cy="6858000"/>
+          </a:xfrm>
+          <a:prstGeom prst="rect">
+            <a:avLst/>
+          </a:prstGeom>
+        </p:spPr>
+      </p:pic>
+      <p:cxnSp>
+        <p:nvCxnSpPr>
+          <p:cNvPr id="5" name="Straight Connector 4">
+            <a:extLst>
+              <a:ext uri="{FF2B5EF4-FFF2-40B4-BE49-F238E27FC236}">
+                <a16:creationId xmlns:a16="http://schemas.microsoft.com/office/drawing/2014/main" id="{6317BEF4-F659-05B0-B884-5FBC9950BC38}"/>
+              </a:ext>
+            </a:extLst>
+          </p:cNvPr>
+          <p:cNvCxnSpPr>
+            <a:cxnSpLocks/>
+          </p:cNvCxnSpPr>
+          <p:nvPr/>
+        </p:nvCxnSpPr>
+        <p:spPr>
+          <a:xfrm>
+            <a:off x="2404113" y="383848"/>
+            <a:ext cx="0" cy="429893"/>
+          </a:xfrm>
+          <a:prstGeom prst="line">
+            <a:avLst/>
+          </a:prstGeom>
+          <a:ln w="12700">
+            <a:solidFill>
+              <a:srgbClr val="DD4F22"/>
+            </a:solidFill>
+          </a:ln>
+        </p:spPr>
+        <p:style>
+          <a:lnRef idx="1">
+            <a:schemeClr val="accent1"/>
+          </a:lnRef>
+          <a:fillRef idx="0">
+            <a:schemeClr val="accent1"/>
+          </a:fillRef>
+          <a:effectRef idx="0">
+            <a:schemeClr val="accent1"/>
+          </a:effectRef>
+          <a:fontRef idx="minor">
+            <a:schemeClr val="tx1"/>
+          </a:fontRef>
+        </p:style>
+      </p:cxnSp>
+      <p:pic>
+        <p:nvPicPr>
+          <p:cNvPr id="6" name="Picture 5">
+            <a:extLst>
+              <a:ext uri="{FF2B5EF4-FFF2-40B4-BE49-F238E27FC236}">
+                <a16:creationId xmlns:a16="http://schemas.microsoft.com/office/drawing/2014/main" id="{4C8E9BB0-02EA-460A-EDCE-9CB013DFF909}"/>
+              </a:ext>
+            </a:extLst>
+          </p:cNvPr>
+          <p:cNvPicPr>
+            <a:picLocks noGrp="1" noRot="1" noChangeAspect="1" noMove="1" noResize="1" noEditPoints="1" noAdjustHandles="1" noChangeArrowheads="1" noChangeShapeType="1" noCrop="1"/>
+          </p:cNvPicPr>
+          <p:nvPr/>
+        </p:nvPicPr>
+        <p:blipFill>
+          <a:blip r:embed="rId3">
+            <a:extLst>
+              <a:ext uri="{28A0092B-C50C-407E-A947-70E740481C1C}">
+                <a14:useLocalDpi xmlns:a14="http://schemas.microsoft.com/office/drawing/2010/main" val="0"/>
+              </a:ext>
+            </a:extLst>
+          </a:blip>
+          <a:srcRect/>
+          <a:stretch/>
+        </p:blipFill>
+        <p:spPr>
+          <a:xfrm>
+            <a:off x="217505" y="338023"/>
+            <a:ext cx="1963465" cy="521544"/>
+          </a:xfrm>
+          <a:prstGeom prst="rect">
+            <a:avLst/>
+          </a:prstGeom>
+        </p:spPr>
+      </p:pic>
+      <p:sp>
+        <p:nvSpPr>
+          <p:cNvPr id="8" name="TextBox 7">
+            <a:extLst>
+              <a:ext uri="{FF2B5EF4-FFF2-40B4-BE49-F238E27FC236}">
+                <a16:creationId xmlns:a16="http://schemas.microsoft.com/office/drawing/2014/main" id="{83A5D50A-7BF5-47B2-27E6-96AA33171B2B}"/>
+              </a:ext>
+            </a:extLst>
+          </p:cNvPr>
+          <p:cNvSpPr txBox="1">
+            <a:spLocks noGrp="1" noRot="1" noMove="1" noResize="1" noEditPoints="1" noAdjustHandles="1" noChangeArrowheads="1" noChangeShapeType="1"/>
+          </p:cNvSpPr>
+          <p:nvPr/>
+        </p:nvSpPr>
+        <p:spPr>
+          <a:xfrm>
+            <a:off x="2499360" y="383848"/>
+            <a:ext cx="8818879" cy="483017"/>
+          </a:xfrm>
+          <a:prstGeom prst="rect">
+            <a:avLst/>
+          </a:prstGeom>
+          <a:solidFill>
+            <a:srgbClr val="FF6709"/>
+          </a:solidFill>
+        </p:spPr>
+        <p:txBody>
+          <a:bodyPr wrap="square" rtlCol="0">
+            <a:spAutoFit/>
+          </a:bodyPr>
+          <a:lstStyle/>
+          <a:p>
+            <a:pPr>
+              <a:lnSpc>
+                <a:spcPct val="115000"/>
+              </a:lnSpc>
+            </a:pPr>
+            <a:r>
+              <a:rPr lang="en-IN" sz="2400" b="1" dirty="0">
+                <a:solidFill>
+                  <a:schemeClr val="bg1"/>
+                </a:solidFill>
+                <a:latin typeface="Times New Roman" panose="02020603050405020304" pitchFamily="18" charset="0"/>
+              </a:rPr>
               <a:t>References</a:t>
             </a:r>
           </a:p>
@@ -6625,7 +7592,7 @@
 </p:sld>
 </file>
 
-<file path=ppt/slides/slide17.xml><?xml version="1.0" encoding="utf-8"?>
+<file path=ppt/slides/slide19.xml><?xml version="1.0" encoding="utf-8"?>
 <p:sld xmlns:a="http://schemas.openxmlformats.org/drawingml/2006/main" xmlns:r="http://schemas.openxmlformats.org/officeDocument/2006/relationships" xmlns:p="http://schemas.openxmlformats.org/presentationml/2006/main">
   <p:cSld>
     <p:spTree>
@@ -7013,7 +7980,7 @@
         <p:spPr>
           <a:xfrm>
             <a:off x="697940" y="1503679"/>
-            <a:ext cx="10061497" cy="3434786"/>
+            <a:ext cx="10061497" cy="3157788"/>
           </a:xfrm>
           <a:prstGeom prst="rect">
             <a:avLst/>
@@ -7106,19 +8073,6 @@
             <a:endParaRPr lang="en-IN" b="1" dirty="0">
               <a:latin typeface="Times New Roman" panose="02020603050405020304" pitchFamily="18" charset="0"/>
             </a:endParaRPr>
-          </a:p>
-          <a:p>
-            <a:pPr marL="342900" lvl="0" indent="-342900">
-              <a:buSzPts val="1400"/>
-              <a:buFont typeface="+mj-lt"/>
-              <a:buAutoNum type="arabicPeriod"/>
-            </a:pPr>
-            <a:r>
-              <a:rPr lang="en-IN" b="1" dirty="0">
-                <a:latin typeface="Times New Roman" panose="02020603050405020304" pitchFamily="18" charset="0"/>
-              </a:rPr>
-              <a:t>User Interface Design </a:t>
-            </a:r>
           </a:p>
           <a:p>
             <a:pPr marL="342900" lvl="0" indent="-342900">
@@ -8207,7 +9161,7 @@
         </p:blipFill>
         <p:spPr>
           <a:xfrm>
-            <a:off x="1199237" y="2310459"/>
+            <a:off x="1199237" y="2254038"/>
             <a:ext cx="6949440" cy="3488463"/>
           </a:xfrm>
           <a:prstGeom prst="rect">
@@ -8535,11 +9489,18 @@
               <a:buChar char="•"/>
             </a:pPr>
             <a:r>
+              <a:rPr lang="en-US" sz="2000">
+                <a:latin typeface="Times New Roman" panose="02020603050405020304" pitchFamily="18" charset="0"/>
+                <a:cs typeface="Times New Roman" panose="02020603050405020304" pitchFamily="18" charset="0"/>
+              </a:rPr>
+              <a:t>Create DTO </a:t>
+            </a:r>
+            <a:r>
               <a:rPr lang="en-US" sz="2000" dirty="0">
                 <a:latin typeface="Times New Roman" panose="02020603050405020304" pitchFamily="18" charset="0"/>
                 <a:cs typeface="Times New Roman" panose="02020603050405020304" pitchFamily="18" charset="0"/>
               </a:rPr>
-              <a:t>Create DAO layer</a:t>
+              <a:t>layer</a:t>
             </a:r>
           </a:p>
           <a:p>
